--- a/demo/OkayJournal.pptx
+++ b/demo/OkayJournal.pptx
@@ -9,11 +9,12 @@
     <p:sldId id="257" r:id="rId3"/>
     <p:sldId id="258" r:id="rId4"/>
     <p:sldId id="259" r:id="rId5"/>
-    <p:sldId id="260" r:id="rId6"/>
-    <p:sldId id="261" r:id="rId7"/>
-    <p:sldId id="262" r:id="rId8"/>
-    <p:sldId id="263" r:id="rId9"/>
-    <p:sldId id="264" r:id="rId10"/>
+    <p:sldId id="265" r:id="rId6"/>
+    <p:sldId id="260" r:id="rId7"/>
+    <p:sldId id="261" r:id="rId8"/>
+    <p:sldId id="262" r:id="rId9"/>
+    <p:sldId id="263" r:id="rId10"/>
+    <p:sldId id="264" r:id="rId11"/>
   </p:sldIdLst>
   <p:sldSz cx="12192000" cy="6858000"/>
   <p:notesSz cx="6858000" cy="9144000"/>
@@ -112,6 +113,11 @@
       </a:defRPr>
     </a:lvl9pPr>
   </p:defaultTextStyle>
+  <p:extLst>
+    <p:ext uri="{EFAFB233-063F-42B5-8137-9DF3F51BA10A}">
+      <p15:sldGuideLst xmlns:p15="http://schemas.microsoft.com/office/powerpoint/2012/main"/>
+    </p:ext>
+  </p:extLst>
 </p:presentation>
 </file>
 
@@ -210,7 +216,7 @@
           <a:effectLst/>
           <a:extLst>
             <a:ext uri="{91240B29-F687-4f45-9708-019B960494DF}">
-              <a14:hiddenLine xmlns:a14="http://schemas.microsoft.com/office/drawing/2010/main" xmlns="" w="9525">
+              <a14:hiddenLine xmlns="" xmlns:a14="http://schemas.microsoft.com/office/drawing/2010/main" w="9525">
                 <a:solidFill>
                   <a:srgbClr val="000000"/>
                 </a:solidFill>
@@ -403,7 +409,7 @@
             <a:fld id="{B61BEF0D-F0BB-DE4B-95CE-6DB70DBA9567}" type="datetimeFigureOut">
               <a:rPr lang="en-US" smtClean="0"/>
               <a:pPr/>
-              <a:t>3/25/2019</a:t>
+              <a:t>3/26/2019</a:t>
             </a:fld>
             <a:endParaRPr lang="en-US" dirty="0"/>
           </a:p>
@@ -723,7 +729,7 @@
             <a:fld id="{B61BEF0D-F0BB-DE4B-95CE-6DB70DBA9567}" type="datetimeFigureOut">
               <a:rPr lang="en-US" smtClean="0"/>
               <a:pPr/>
-              <a:t>3/25/2019</a:t>
+              <a:t>3/26/2019</a:t>
             </a:fld>
             <a:endParaRPr lang="en-US" dirty="0"/>
           </a:p>
@@ -1213,7 +1219,7 @@
             <a:fld id="{B61BEF0D-F0BB-DE4B-95CE-6DB70DBA9567}" type="datetimeFigureOut">
               <a:rPr lang="en-US" smtClean="0"/>
               <a:pPr/>
-              <a:t>3/25/2019</a:t>
+              <a:t>3/26/2019</a:t>
             </a:fld>
             <a:endParaRPr lang="en-US" dirty="0"/>
           </a:p>
@@ -1584,7 +1590,7 @@
             <a:fld id="{B61BEF0D-F0BB-DE4B-95CE-6DB70DBA9567}" type="datetimeFigureOut">
               <a:rPr lang="en-US" smtClean="0"/>
               <a:pPr/>
-              <a:t>3/25/2019</a:t>
+              <a:t>3/26/2019</a:t>
             </a:fld>
             <a:endParaRPr lang="en-US" dirty="0"/>
           </a:p>
@@ -1740,7 +1746,7 @@
           <a:ln/>
           <a:extLst>
             <a:ext uri="{91240B29-F687-4f45-9708-019B960494DF}">
-              <a14:hiddenLine xmlns:a14="http://schemas.microsoft.com/office/drawing/2010/main" xmlns="" w="9525">
+              <a14:hiddenLine xmlns="" xmlns:a14="http://schemas.microsoft.com/office/drawing/2010/main" w="9525">
                 <a:solidFill>
                   <a:srgbClr val="000000"/>
                 </a:solidFill>
@@ -1859,7 +1865,7 @@
             <a:fld id="{B61BEF0D-F0BB-DE4B-95CE-6DB70DBA9567}" type="datetimeFigureOut">
               <a:rPr lang="en-US" smtClean="0"/>
               <a:pPr/>
-              <a:t>3/25/2019</a:t>
+              <a:t>3/26/2019</a:t>
             </a:fld>
             <a:endParaRPr lang="en-US" dirty="0"/>
           </a:p>
@@ -2017,7 +2023,7 @@
           <a:ln/>
           <a:extLst>
             <a:ext uri="{91240B29-F687-4f45-9708-019B960494DF}">
-              <a14:hiddenLine xmlns:a14="http://schemas.microsoft.com/office/drawing/2010/main" xmlns="" w="9525">
+              <a14:hiddenLine xmlns="" xmlns:a14="http://schemas.microsoft.com/office/drawing/2010/main" w="9525">
                 <a:solidFill>
                   <a:srgbClr val="000000"/>
                 </a:solidFill>
@@ -2146,7 +2152,7 @@
             <a:fld id="{B61BEF0D-F0BB-DE4B-95CE-6DB70DBA9567}" type="datetimeFigureOut">
               <a:rPr lang="en-US" smtClean="0"/>
               <a:pPr/>
-              <a:t>3/25/2019</a:t>
+              <a:t>3/26/2019</a:t>
             </a:fld>
             <a:endParaRPr lang="en-US" dirty="0"/>
           </a:p>
@@ -2302,7 +2308,7 @@
           <a:ln/>
           <a:extLst>
             <a:ext uri="{91240B29-F687-4f45-9708-019B960494DF}">
-              <a14:hiddenLine xmlns:a14="http://schemas.microsoft.com/office/drawing/2010/main" xmlns="" w="9525">
+              <a14:hiddenLine xmlns="" xmlns:a14="http://schemas.microsoft.com/office/drawing/2010/main" w="9525">
                 <a:solidFill>
                   <a:srgbClr val="000000"/>
                 </a:solidFill>
@@ -2431,7 +2437,7 @@
             <a:fld id="{B61BEF0D-F0BB-DE4B-95CE-6DB70DBA9567}" type="datetimeFigureOut">
               <a:rPr lang="en-US" smtClean="0"/>
               <a:pPr/>
-              <a:t>3/25/2019</a:t>
+              <a:t>3/26/2019</a:t>
             </a:fld>
             <a:endParaRPr lang="en-US" dirty="0"/>
           </a:p>
@@ -2776,7 +2782,7 @@
             <a:fld id="{B61BEF0D-F0BB-DE4B-95CE-6DB70DBA9567}" type="datetimeFigureOut">
               <a:rPr lang="en-US" smtClean="0"/>
               <a:pPr/>
-              <a:t>3/25/2019</a:t>
+              <a:t>3/26/2019</a:t>
             </a:fld>
             <a:endParaRPr lang="en-US" dirty="0"/>
           </a:p>
@@ -2932,7 +2938,7 @@
           <a:ln/>
           <a:extLst>
             <a:ext uri="{91240B29-F687-4f45-9708-019B960494DF}">
-              <a14:hiddenLine xmlns:a14="http://schemas.microsoft.com/office/drawing/2010/main" xmlns="" w="9525">
+              <a14:hiddenLine xmlns="" xmlns:a14="http://schemas.microsoft.com/office/drawing/2010/main" w="9525">
                 <a:solidFill>
                   <a:srgbClr val="000000"/>
                 </a:solidFill>
@@ -3117,7 +3123,7 @@
             <a:fld id="{B61BEF0D-F0BB-DE4B-95CE-6DB70DBA9567}" type="datetimeFigureOut">
               <a:rPr lang="en-US" smtClean="0"/>
               <a:pPr/>
-              <a:t>3/25/2019</a:t>
+              <a:t>3/26/2019</a:t>
             </a:fld>
             <a:endParaRPr lang="en-US" dirty="0"/>
           </a:p>
@@ -3273,7 +3279,7 @@
           <a:ln/>
           <a:extLst>
             <a:ext uri="{91240B29-F687-4f45-9708-019B960494DF}">
-              <a14:hiddenLine xmlns:a14="http://schemas.microsoft.com/office/drawing/2010/main" xmlns="" w="9525">
+              <a14:hiddenLine xmlns="" xmlns:a14="http://schemas.microsoft.com/office/drawing/2010/main" w="9525">
                 <a:solidFill>
                   <a:srgbClr val="000000"/>
                 </a:solidFill>
@@ -3596,7 +3602,7 @@
             <a:fld id="{B61BEF0D-F0BB-DE4B-95CE-6DB70DBA9567}" type="datetimeFigureOut">
               <a:rPr lang="en-US" smtClean="0"/>
               <a:pPr/>
-              <a:t>3/25/2019</a:t>
+              <a:t>3/26/2019</a:t>
             </a:fld>
             <a:endParaRPr lang="en-US" dirty="0"/>
           </a:p>
@@ -3752,7 +3758,7 @@
           <a:ln/>
           <a:extLst>
             <a:ext uri="{91240B29-F687-4f45-9708-019B960494DF}">
-              <a14:hiddenLine xmlns:a14="http://schemas.microsoft.com/office/drawing/2010/main" xmlns="" w="9525">
+              <a14:hiddenLine xmlns="" xmlns:a14="http://schemas.microsoft.com/office/drawing/2010/main" w="9525">
                 <a:solidFill>
                   <a:srgbClr val="000000"/>
                 </a:solidFill>
@@ -3819,7 +3825,7 @@
             <a:fld id="{B61BEF0D-F0BB-DE4B-95CE-6DB70DBA9567}" type="datetimeFigureOut">
               <a:rPr lang="en-US" smtClean="0"/>
               <a:pPr/>
-              <a:t>3/25/2019</a:t>
+              <a:t>3/26/2019</a:t>
             </a:fld>
             <a:endParaRPr lang="en-US" dirty="0"/>
           </a:p>
@@ -3916,7 +3922,7 @@
             <a:fld id="{B61BEF0D-F0BB-DE4B-95CE-6DB70DBA9567}" type="datetimeFigureOut">
               <a:rPr lang="en-US" smtClean="0"/>
               <a:pPr/>
-              <a:t>3/25/2019</a:t>
+              <a:t>3/26/2019</a:t>
             </a:fld>
             <a:endParaRPr lang="en-US" dirty="0"/>
           </a:p>
@@ -4185,7 +4191,7 @@
           <a:ln/>
           <a:extLst>
             <a:ext uri="{91240B29-F687-4f45-9708-019B960494DF}">
-              <a14:hiddenLine xmlns:a14="http://schemas.microsoft.com/office/drawing/2010/main" xmlns="" w="9525">
+              <a14:hiddenLine xmlns="" xmlns:a14="http://schemas.microsoft.com/office/drawing/2010/main" w="9525">
                 <a:solidFill>
                   <a:srgbClr val="000000"/>
                 </a:solidFill>
@@ -4385,7 +4391,7 @@
             <a:fld id="{B61BEF0D-F0BB-DE4B-95CE-6DB70DBA9567}" type="datetimeFigureOut">
               <a:rPr lang="en-US" smtClean="0"/>
               <a:pPr/>
-              <a:t>3/25/2019</a:t>
+              <a:t>3/26/2019</a:t>
             </a:fld>
             <a:endParaRPr lang="en-US" dirty="0"/>
           </a:p>
@@ -4700,7 +4706,7 @@
             <a:fld id="{B61BEF0D-F0BB-DE4B-95CE-6DB70DBA9567}" type="datetimeFigureOut">
               <a:rPr lang="en-US" smtClean="0"/>
               <a:pPr/>
-              <a:t>3/25/2019</a:t>
+              <a:t>3/26/2019</a:t>
             </a:fld>
             <a:endParaRPr lang="en-US" dirty="0"/>
           </a:p>
@@ -4972,7 +4978,7 @@
             <a:fld id="{B61BEF0D-F0BB-DE4B-95CE-6DB70DBA9567}" type="datetimeFigureOut">
               <a:rPr lang="en-US" smtClean="0"/>
               <a:pPr/>
-              <a:t>3/25/2019</a:t>
+              <a:t>3/26/2019</a:t>
             </a:fld>
             <a:endParaRPr lang="en-US" dirty="0"/>
           </a:p>
@@ -5533,6 +5539,121 @@
 </p:sld>
 </file>
 
+<file path=ppt/slides/slide10.xml><?xml version="1.0" encoding="utf-8"?>
+<p:sld xmlns:a="http://schemas.openxmlformats.org/drawingml/2006/main" xmlns:r="http://schemas.openxmlformats.org/officeDocument/2006/relationships" xmlns:p="http://schemas.openxmlformats.org/presentationml/2006/main">
+  <p:cSld>
+    <p:spTree>
+      <p:nvGrpSpPr>
+        <p:cNvPr id="1" name=""/>
+        <p:cNvGrpSpPr/>
+        <p:nvPr/>
+      </p:nvGrpSpPr>
+      <p:grpSpPr>
+        <a:xfrm>
+          <a:off x="0" y="0"/>
+          <a:ext cx="0" cy="0"/>
+          <a:chOff x="0" y="0"/>
+          <a:chExt cx="0" cy="0"/>
+        </a:xfrm>
+      </p:grpSpPr>
+      <p:sp>
+        <p:nvSpPr>
+          <p:cNvPr id="2" name="Заголовок 1"/>
+          <p:cNvSpPr>
+            <a:spLocks noGrp="1"/>
+          </p:cNvSpPr>
+          <p:nvPr>
+            <p:ph type="title"/>
+          </p:nvPr>
+        </p:nvSpPr>
+        <p:spPr/>
+        <p:txBody>
+          <a:bodyPr/>
+          <a:lstStyle/>
+          <a:p>
+            <a:r>
+              <a:rPr lang="ru-RU" dirty="0" smtClean="0"/>
+              <a:t>Заключение</a:t>
+            </a:r>
+            <a:endParaRPr lang="ru-RU" dirty="0"/>
+          </a:p>
+        </p:txBody>
+      </p:sp>
+      <p:sp>
+        <p:nvSpPr>
+          <p:cNvPr id="3" name="Объект 2"/>
+          <p:cNvSpPr>
+            <a:spLocks noGrp="1"/>
+          </p:cNvSpPr>
+          <p:nvPr>
+            <p:ph idx="1"/>
+          </p:nvPr>
+        </p:nvSpPr>
+        <p:spPr>
+          <a:xfrm>
+            <a:off x="232116" y="1566679"/>
+            <a:ext cx="11603326" cy="3636511"/>
+          </a:xfrm>
+        </p:spPr>
+        <p:txBody>
+          <a:bodyPr/>
+          <a:lstStyle/>
+          <a:p>
+            <a:r>
+              <a:rPr lang="ru-RU" dirty="0" smtClean="0"/>
+              <a:t>На самом деле, внутреннее устройство электронного дневника не такое простое, как может показаться. В процессе работы над проектом мы сталкивались с множеством нюансов, которые забыли учесть. Именно поэтому осталось немало возможностей для доработки. Помимо этого, в нашей системе реализована только самая малая часть возможного функционала.</a:t>
+            </a:r>
+          </a:p>
+        </p:txBody>
+      </p:sp>
+      <p:sp>
+        <p:nvSpPr>
+          <p:cNvPr id="4" name="Прямоугольник 3"/>
+          <p:cNvSpPr/>
+          <p:nvPr/>
+        </p:nvSpPr>
+        <p:spPr>
+          <a:xfrm>
+            <a:off x="599939" y="4982899"/>
+            <a:ext cx="2893741" cy="646331"/>
+          </a:xfrm>
+          <a:prstGeom prst="rect">
+            <a:avLst/>
+          </a:prstGeom>
+        </p:spPr>
+        <p:txBody>
+          <a:bodyPr wrap="none">
+            <a:spAutoFit/>
+          </a:bodyPr>
+          <a:lstStyle/>
+          <a:p>
+            <a:r>
+              <a:rPr lang="ru-RU" dirty="0" smtClean="0"/>
+              <a:t>На этом у нас всё.</a:t>
+            </a:r>
+          </a:p>
+          <a:p>
+            <a:r>
+              <a:rPr lang="ru-RU" dirty="0" smtClean="0"/>
+              <a:t>Спасибо за внимание!</a:t>
+            </a:r>
+            <a:endParaRPr lang="ru-RU" dirty="0"/>
+          </a:p>
+        </p:txBody>
+      </p:sp>
+    </p:spTree>
+    <p:extLst>
+      <p:ext uri="{BB962C8B-B14F-4D97-AF65-F5344CB8AC3E}">
+        <p14:creationId xmlns:p14="http://schemas.microsoft.com/office/powerpoint/2010/main" val="248759938"/>
+      </p:ext>
+    </p:extLst>
+  </p:cSld>
+  <p:clrMapOvr>
+    <a:masterClrMapping/>
+  </p:clrMapOvr>
+</p:sld>
+</file>
+
 <file path=ppt/slides/slide2.xml><?xml version="1.0" encoding="utf-8"?>
 <p:sld xmlns:a="http://schemas.openxmlformats.org/drawingml/2006/main" xmlns:r="http://schemas.openxmlformats.org/officeDocument/2006/relationships" xmlns:p="http://schemas.openxmlformats.org/presentationml/2006/main">
   <p:cSld>
@@ -6245,8 +6366,8 @@
         </p:nvSpPr>
         <p:spPr>
           <a:xfrm>
-            <a:off x="335632" y="2325804"/>
-            <a:ext cx="10554574" cy="1901139"/>
+            <a:off x="335631" y="2325804"/>
+            <a:ext cx="10861455" cy="3566038"/>
           </a:xfrm>
         </p:spPr>
         <p:txBody>
@@ -6262,15 +6383,48 @@
               <a:t>для учеников, </a:t>
             </a:r>
             <a:r>
+              <a:rPr lang="ru-RU" dirty="0" smtClean="0"/>
+              <a:t>родителей, школьной администрации </a:t>
+            </a:r>
+            <a:r>
               <a:rPr lang="ru-RU" dirty="0"/>
-              <a:t>родителей и учителей.</a:t>
+              <a:t>и учителей.</a:t>
             </a:r>
           </a:p>
           <a:p>
             <a:r>
               <a:rPr lang="ru-RU" dirty="0"/>
-              <a:t>Идея нам пришла, когда мы обнаруживали все больше проблем с сервисом «Сетевой Город», концепция которого вызывает уважения, в отличие от реализации. </a:t>
-            </a:r>
+              <a:t>Идея </a:t>
+            </a:r>
+            <a:r>
+              <a:rPr lang="ru-RU" dirty="0" smtClean="0"/>
+              <a:t>к нам пришла</a:t>
+            </a:r>
+            <a:r>
+              <a:rPr lang="ru-RU" dirty="0"/>
+              <a:t> </a:t>
+            </a:r>
+            <a:r>
+              <a:rPr lang="ru-RU" dirty="0" smtClean="0"/>
+              <a:t>благодаря сервису </a:t>
+            </a:r>
+            <a:r>
+              <a:rPr lang="ru-RU" dirty="0" smtClean="0"/>
+              <a:t>«Сетевой </a:t>
+            </a:r>
+            <a:r>
+              <a:rPr lang="ru-RU" dirty="0"/>
+              <a:t>Город», </a:t>
+            </a:r>
+            <a:r>
+              <a:rPr lang="ru-RU" dirty="0" smtClean="0"/>
+              <a:t>которым школы в нашем городе активно пользуются. </a:t>
+            </a:r>
+            <a:r>
+              <a:rPr lang="ru-RU" dirty="0" smtClean="0"/>
+              <a:t>Мы решили попробовать самостоятельно построить такую систему, посмотреть что из этого получится.</a:t>
+            </a:r>
+            <a:endParaRPr lang="ru-RU" dirty="0"/>
           </a:p>
         </p:txBody>
       </p:sp>
@@ -6320,9 +6474,14 @@
           <a:lstStyle/>
           <a:p>
             <a:r>
-              <a:rPr lang="ru-RU" dirty="0"/>
-              <a:t>Реализация</a:t>
-            </a:r>
+              <a:rPr lang="ru-RU" dirty="0" smtClean="0"/>
+              <a:t>Реализация. </a:t>
+            </a:r>
+            <a:r>
+              <a:rPr lang="ru-RU" dirty="0" smtClean="0"/>
+              <a:t>Вне системы</a:t>
+            </a:r>
+            <a:endParaRPr lang="ru-RU" dirty="0"/>
           </a:p>
         </p:txBody>
       </p:sp>
@@ -6338,8 +6497,8 @@
         </p:nvSpPr>
         <p:spPr>
           <a:xfrm>
-            <a:off x="818712" y="2222287"/>
-            <a:ext cx="4408896" cy="3636511"/>
+            <a:off x="301925" y="2156604"/>
+            <a:ext cx="4960189" cy="3801342"/>
           </a:xfrm>
         </p:spPr>
         <p:txBody>
@@ -6347,36 +6506,44 @@
           <a:lstStyle/>
           <a:p>
             <a:r>
-              <a:rPr lang="it-IT" dirty="0"/>
-              <a:t>Основные страницы:</a:t>
-            </a:r>
-            <a:br>
-              <a:rPr lang="it-IT" dirty="0"/>
-            </a:br>
-            <a:r>
-              <a:rPr lang="it-IT" dirty="0"/>
-              <a:t>base</a:t>
-            </a:r>
-            <a:br>
-              <a:rPr lang="it-IT" dirty="0"/>
-            </a:br>
-            <a:r>
-              <a:rPr lang="it-IT" dirty="0"/>
-              <a:t>index</a:t>
-            </a:r>
-            <a:br>
-              <a:rPr lang="it-IT" dirty="0"/>
-            </a:br>
-            <a:r>
-              <a:rPr lang="it-IT" dirty="0"/>
-              <a:t>login</a:t>
-            </a:r>
-            <a:br>
-              <a:rPr lang="it-IT" dirty="0"/>
-            </a:br>
+              <a:rPr lang="en-US" dirty="0" smtClean="0"/>
+              <a:t>/</a:t>
+            </a:r>
             <a:r>
               <a:rPr lang="it-IT" dirty="0" smtClean="0"/>
-              <a:t>register_request</a:t>
+              <a:t>index – </a:t>
+            </a:r>
+            <a:r>
+              <a:rPr lang="ru-RU" dirty="0" smtClean="0"/>
+              <a:t>главная страница с основной информацией о системе и т.д.</a:t>
+            </a:r>
+          </a:p>
+          <a:p>
+            <a:r>
+              <a:rPr lang="en-US" dirty="0" smtClean="0"/>
+              <a:t>/</a:t>
+            </a:r>
+            <a:r>
+              <a:rPr lang="it-IT" dirty="0" smtClean="0"/>
+              <a:t>login – </a:t>
+            </a:r>
+            <a:r>
+              <a:rPr lang="ru-RU" dirty="0" smtClean="0"/>
+              <a:t>страница авторизации в систему</a:t>
+            </a:r>
+          </a:p>
+          <a:p>
+            <a:r>
+              <a:rPr lang="en-US" dirty="0" smtClean="0"/>
+              <a:t>/</a:t>
+            </a:r>
+            <a:r>
+              <a:rPr lang="it-IT" dirty="0" smtClean="0"/>
+              <a:t>register – </a:t>
+            </a:r>
+            <a:r>
+              <a:rPr lang="ru-RU" dirty="0" smtClean="0"/>
+              <a:t>страница с формой заявки на регистрацию новой школы.</a:t>
             </a:r>
             <a:endParaRPr lang="it-IT" dirty="0"/>
           </a:p>
@@ -6392,8 +6559,8 @@
         </p:nvSpPr>
         <p:spPr>
           <a:xfrm>
-            <a:off x="6492017" y="2521336"/>
-            <a:ext cx="4408896" cy="3636511"/>
+            <a:off x="5098212" y="1923691"/>
+            <a:ext cx="6866625" cy="5020573"/>
           </a:xfrm>
           <a:prstGeom prst="rect">
             <a:avLst/>
@@ -6408,7 +6575,7 @@
         </p:spPr>
         <p:txBody>
           <a:bodyPr vert="horz" lIns="91440" tIns="45720" rIns="91440" bIns="45720" rtlCol="0" anchor="ctr">
-            <a:normAutofit fontScale="92500" lnSpcReduction="10000"/>
+            <a:normAutofit/>
           </a:bodyPr>
           <a:lstStyle>
             <a:lvl1pPr marL="342900" indent="-342900" algn="l" defTabSz="457200" rtl="0" eaLnBrk="1" latinLnBrk="0" hangingPunct="1">
@@ -6602,9 +6769,12 @@
             </a:lvl9pPr>
           </a:lstStyle>
           <a:p>
-            <a:r>
-              <a:rPr lang="en-US" sz="2800" dirty="0"/>
-              <a:t>Страницы журнала:</a:t>
+            <a:endParaRPr lang="ru-RU" dirty="0" smtClean="0"/>
+          </a:p>
+          <a:p>
+            <a:r>
+              <a:rPr lang="ru-RU" dirty="0" smtClean="0"/>
+              <a:t>Страницы основной системы:</a:t>
             </a:r>
             <a:r>
               <a:rPr lang="en-US" dirty="0"/>
@@ -6614,95 +6784,134 @@
               <a:rPr lang="en-US" dirty="0"/>
             </a:br>
             <a:r>
+              <a:rPr lang="en-US" dirty="0" smtClean="0"/>
+              <a:t>/announcements – </a:t>
+            </a:r>
+            <a:r>
+              <a:rPr lang="ru-RU" dirty="0" smtClean="0"/>
+              <a:t>доска объявлений школы</a:t>
+            </a:r>
+            <a:r>
+              <a:rPr lang="en-US" dirty="0" smtClean="0"/>
+              <a:t>;</a:t>
+            </a:r>
+            <a:r>
               <a:rPr lang="en-US" dirty="0"/>
-              <a:t>announcements</a:t>
+              <a:t/>
             </a:r>
             <a:br>
               <a:rPr lang="en-US" dirty="0"/>
             </a:br>
             <a:r>
+              <a:rPr lang="en-US" dirty="0" smtClean="0"/>
+              <a:t>/classes – </a:t>
+            </a:r>
+            <a:r>
+              <a:rPr lang="ru-RU" dirty="0" smtClean="0"/>
+              <a:t>настройка классов школы (доступно только администратору школы)</a:t>
+            </a:r>
+            <a:r>
+              <a:rPr lang="en-US" dirty="0" smtClean="0"/>
+              <a:t>;</a:t>
+            </a:r>
+            <a:r>
               <a:rPr lang="en-US" dirty="0"/>
-              <a:t>base</a:t>
+              <a:t/>
             </a:r>
             <a:br>
               <a:rPr lang="en-US" dirty="0"/>
             </a:br>
             <a:r>
+              <a:rPr lang="en-US" dirty="0" smtClean="0"/>
+              <a:t>/grading – </a:t>
+            </a:r>
+            <a:r>
+              <a:rPr lang="ru-RU" dirty="0" smtClean="0"/>
+              <a:t>выставление оценок, заполнение темы и домашнего задания для определенной даты (доступно только учителю</a:t>
+            </a:r>
+            <a:r>
+              <a:rPr lang="en-US" dirty="0" smtClean="0"/>
+              <a:t>);</a:t>
+            </a:r>
+            <a:r>
               <a:rPr lang="en-US" dirty="0"/>
-              <a:t>classes</a:t>
+              <a:t/>
             </a:r>
             <a:br>
               <a:rPr lang="en-US" dirty="0"/>
             </a:br>
             <a:r>
+              <a:rPr lang="en-US" dirty="0" smtClean="0"/>
+              <a:t>/journal – </a:t>
+            </a:r>
+            <a:r>
+              <a:rPr lang="ru-RU" dirty="0" smtClean="0"/>
+              <a:t>журнал с оценками (доступно только учителю</a:t>
+            </a:r>
+            <a:r>
+              <a:rPr lang="en-US" dirty="0" smtClean="0"/>
+              <a:t>);</a:t>
+            </a:r>
+            <a:r>
               <a:rPr lang="en-US" dirty="0"/>
-              <a:t>grading</a:t>
+              <a:t/>
             </a:r>
             <a:br>
               <a:rPr lang="en-US" dirty="0"/>
             </a:br>
             <a:r>
+              <a:rPr lang="en-US" dirty="0" smtClean="0"/>
+              <a:t>/lesson_times – </a:t>
+            </a:r>
+            <a:r>
+              <a:rPr lang="ru-RU" dirty="0" smtClean="0"/>
+              <a:t>настройка расписания звонков (доступно только школьному администратору)</a:t>
+            </a:r>
+            <a:r>
               <a:rPr lang="en-US" dirty="0"/>
-              <a:t>journal</a:t>
+              <a:t/>
             </a:r>
             <a:br>
               <a:rPr lang="en-US" dirty="0"/>
             </a:br>
             <a:r>
+              <a:rPr lang="en-US" dirty="0" smtClean="0"/>
+              <a:t>/messages – OkayJournal </a:t>
+            </a:r>
+            <a:r>
+              <a:rPr lang="ru-RU" dirty="0" smtClean="0"/>
+              <a:t>мессенджер</a:t>
+            </a:r>
+            <a:r>
+              <a:rPr lang="en-US" dirty="0" smtClean="0"/>
+              <a:t>;</a:t>
+            </a:r>
+            <a:r>
               <a:rPr lang="en-US" dirty="0"/>
-              <a:t>lesson_times</a:t>
+              <a:t/>
             </a:r>
             <a:br>
               <a:rPr lang="en-US" dirty="0"/>
             </a:br>
             <a:r>
+              <a:rPr lang="en-US" dirty="0" smtClean="0"/>
+              <a:t>/school_managing – </a:t>
+            </a:r>
+            <a:r>
+              <a:rPr lang="ru-RU" dirty="0" smtClean="0"/>
+              <a:t>меню настроек школы (доступно только школьному администратору)</a:t>
+            </a:r>
+            <a:r>
+              <a:rPr lang="en-US" dirty="0" smtClean="0"/>
+              <a:t>;</a:t>
+            </a:r>
+            <a:r>
               <a:rPr lang="en-US" dirty="0"/>
-              <a:t>messages</a:t>
+              <a:t/>
             </a:r>
             <a:br>
               <a:rPr lang="en-US" dirty="0"/>
             </a:br>
-            <a:r>
-              <a:rPr lang="en-US" dirty="0"/>
-              <a:t>school_managing</a:t>
-            </a:r>
-            <a:br>
-              <a:rPr lang="en-US" dirty="0"/>
-            </a:br>
-            <a:r>
-              <a:rPr lang="en-US" dirty="0"/>
-              <a:t>school_settings</a:t>
-            </a:r>
-            <a:br>
-              <a:rPr lang="en-US" dirty="0"/>
-            </a:br>
-            <a:r>
-              <a:rPr lang="en-US" dirty="0"/>
-              <a:t>settings</a:t>
-            </a:r>
-            <a:br>
-              <a:rPr lang="en-US" dirty="0"/>
-            </a:br>
-            <a:r>
-              <a:rPr lang="en-US" dirty="0"/>
-              <a:t>subjects</a:t>
-            </a:r>
-            <a:br>
-              <a:rPr lang="en-US" dirty="0"/>
-            </a:br>
-            <a:r>
-              <a:rPr lang="en-US" dirty="0"/>
-              <a:t>timetable</a:t>
-            </a:r>
-            <a:br>
-              <a:rPr lang="en-US" dirty="0"/>
-            </a:br>
-            <a:r>
-              <a:rPr lang="en-US" dirty="0"/>
-              <a:t>users</a:t>
-            </a:r>
-          </a:p>
-          <a:p>
             <a:endParaRPr lang="it-IT" dirty="0"/>
           </a:p>
         </p:txBody>
@@ -6753,9 +6962,10 @@
           <a:lstStyle/>
           <a:p>
             <a:r>
-              <a:rPr lang="ru-RU" dirty="0"/>
-              <a:t>Особенности</a:t>
-            </a:r>
+              <a:rPr lang="ru-RU" dirty="0" smtClean="0"/>
+              <a:t>Реализация. Система</a:t>
+            </a:r>
+            <a:endParaRPr lang="ru-RU" dirty="0"/>
           </a:p>
         </p:txBody>
       </p:sp>
@@ -6769,90 +6979,484 @@
             <p:ph idx="1"/>
           </p:nvPr>
         </p:nvSpPr>
-        <p:spPr/>
+        <p:spPr>
+          <a:xfrm>
+            <a:off x="0" y="2161900"/>
+            <a:ext cx="6159260" cy="4860001"/>
+          </a:xfrm>
+        </p:spPr>
         <p:txBody>
           <a:bodyPr>
-            <a:normAutofit fontScale="55000" lnSpcReduction="20000"/>
+            <a:normAutofit fontScale="92500" lnSpcReduction="10000"/>
           </a:bodyPr>
           <a:lstStyle/>
           <a:p>
-            <a:pPr marL="435609" indent="-435609" defTabSz="572516">
+            <a:r>
+              <a:rPr lang="en-US" dirty="0"/>
+              <a:t>/</a:t>
+            </a:r>
+            <a:r>
+              <a:rPr lang="en-US" dirty="0" err="1"/>
+              <a:t>school_settings</a:t>
+            </a:r>
+            <a:r>
+              <a:rPr lang="en-US" dirty="0"/>
+              <a:t> – </a:t>
+            </a:r>
+            <a:r>
+              <a:rPr lang="ru-RU" dirty="0"/>
+              <a:t>настройка местоположения школы (доступно только школьному администратору)</a:t>
+            </a:r>
+            <a:r>
+              <a:rPr lang="en-US" dirty="0" smtClean="0"/>
+              <a:t>;</a:t>
+            </a:r>
+            <a:endParaRPr lang="ru-RU" dirty="0" smtClean="0"/>
+          </a:p>
+          <a:p>
+            <a:r>
+              <a:rPr lang="en-US" dirty="0" smtClean="0"/>
+              <a:t>/</a:t>
+            </a:r>
+            <a:r>
+              <a:rPr lang="en-US" dirty="0"/>
+              <a:t>settings – </a:t>
+            </a:r>
+            <a:r>
+              <a:rPr lang="ru-RU" dirty="0"/>
+              <a:t>настройки личного профиля</a:t>
+            </a:r>
+            <a:r>
+              <a:rPr lang="en-US" dirty="0" smtClean="0"/>
+              <a:t>;</a:t>
+            </a:r>
+            <a:endParaRPr lang="ru-RU" dirty="0" smtClean="0"/>
+          </a:p>
+          <a:p>
+            <a:r>
+              <a:rPr lang="en-US" dirty="0" smtClean="0"/>
+              <a:t>/</a:t>
+            </a:r>
+            <a:r>
+              <a:rPr lang="en-US" dirty="0"/>
+              <a:t>subjects – </a:t>
+            </a:r>
+            <a:r>
+              <a:rPr lang="ru-RU" dirty="0"/>
+              <a:t>настройка предметов школы (доступно только школьному администратору</a:t>
+            </a:r>
+            <a:r>
+              <a:rPr lang="en-US" dirty="0" smtClean="0"/>
+              <a:t>;</a:t>
+            </a:r>
+            <a:endParaRPr lang="ru-RU" dirty="0" smtClean="0"/>
+          </a:p>
+          <a:p>
+            <a:r>
+              <a:rPr lang="en-US" dirty="0" smtClean="0"/>
+              <a:t>/</a:t>
+            </a:r>
+            <a:r>
+              <a:rPr lang="en-US" dirty="0"/>
+              <a:t>timetable – </a:t>
+            </a:r>
+            <a:r>
+              <a:rPr lang="ru-RU" dirty="0"/>
+              <a:t>настройка расписания предметов школы (доступно только школьному администратору)</a:t>
+            </a:r>
+            <a:r>
+              <a:rPr lang="en-US" dirty="0" smtClean="0"/>
+              <a:t>;</a:t>
+            </a:r>
+            <a:endParaRPr lang="ru-RU" dirty="0" smtClean="0"/>
+          </a:p>
+          <a:p>
+            <a:r>
+              <a:rPr lang="en-US" dirty="0" smtClean="0"/>
+              <a:t>/</a:t>
+            </a:r>
+            <a:r>
+              <a:rPr lang="en-US" dirty="0"/>
+              <a:t>users – </a:t>
+            </a:r>
+            <a:r>
+              <a:rPr lang="ru-RU" dirty="0"/>
+              <a:t>добавление новых пользователей (учеников, учителей, родителей) (доступно только школьному администратору</a:t>
+            </a:r>
+            <a:r>
+              <a:rPr lang="ru-RU" dirty="0" smtClean="0"/>
+              <a:t>)</a:t>
+            </a:r>
+            <a:endParaRPr lang="en-US" dirty="0" smtClean="0"/>
+          </a:p>
+          <a:p>
+            <a:r>
+              <a:rPr lang="en-US" dirty="0" smtClean="0"/>
+              <a:t>/diary – </a:t>
+            </a:r>
+            <a:r>
+              <a:rPr lang="ru-RU" dirty="0" smtClean="0"/>
+              <a:t>дневник (доступно только родителям и ученикам)</a:t>
+            </a:r>
+            <a:r>
+              <a:rPr lang="en-US" dirty="0" smtClean="0"/>
+              <a:t>;</a:t>
+            </a:r>
+          </a:p>
+          <a:p>
+            <a:r>
+              <a:rPr lang="en-US" dirty="0" smtClean="0"/>
+              <a:t>/reports – </a:t>
+            </a:r>
+            <a:r>
+              <a:rPr lang="ru-RU" dirty="0" smtClean="0"/>
+              <a:t>отчёты об оценках ученика (доступно только родителям и ученикам)</a:t>
+            </a:r>
+            <a:endParaRPr lang="en-US" dirty="0"/>
+          </a:p>
+          <a:p>
+            <a:endParaRPr lang="ru-RU" dirty="0"/>
+          </a:p>
+        </p:txBody>
+      </p:sp>
+      <p:sp>
+        <p:nvSpPr>
+          <p:cNvPr id="4" name="Объект 5"/>
+          <p:cNvSpPr txBox="1">
+            <a:spLocks/>
+          </p:cNvSpPr>
+          <p:nvPr/>
+        </p:nvSpPr>
+        <p:spPr>
+          <a:xfrm>
+            <a:off x="5911970" y="1758124"/>
+            <a:ext cx="6280030" cy="5193102"/>
+          </a:xfrm>
+          <a:prstGeom prst="rect">
+            <a:avLst/>
+          </a:prstGeom>
+          <a:effectLst>
+            <a:outerShdw blurRad="50800" dir="14400000">
+              <a:srgbClr val="000000">
+                <a:alpha val="40000"/>
+              </a:srgbClr>
+            </a:outerShdw>
+          </a:effectLst>
+        </p:spPr>
+        <p:txBody>
+          <a:bodyPr vert="horz" lIns="91440" tIns="45720" rIns="91440" bIns="45720" rtlCol="0" anchor="ctr">
+            <a:normAutofit/>
+          </a:bodyPr>
+          <a:lstStyle>
+            <a:lvl1pPr marL="342900" indent="-342900" algn="l" defTabSz="457200" rtl="0" eaLnBrk="1" latinLnBrk="0" hangingPunct="1">
               <a:spcBef>
-                <a:spcPts val="2700"/>
+                <a:spcPct val="20000"/>
               </a:spcBef>
-              <a:defRPr sz="3332"/>
-            </a:pPr>
-            <a:r>
-              <a:rPr lang="ru-RU" dirty="0"/>
-              <a:t>Собственный домен: </a:t>
-            </a:r>
-            <a:r>
-              <a:rPr lang="ru-RU" u="sng" dirty="0">
-                <a:solidFill>
-                  <a:schemeClr val="accent1"/>
-                </a:solidFill>
-                <a:hlinkClick r:id="rId2"/>
-              </a:rPr>
-              <a:t>okayjournal.ru</a:t>
-            </a:r>
-          </a:p>
-          <a:p>
-            <a:pPr marL="435609" indent="-435609" defTabSz="572516">
+              <a:spcAft>
+                <a:spcPts val="600"/>
+              </a:spcAft>
+              <a:buClr>
+                <a:schemeClr val="accent1"/>
+              </a:buClr>
+              <a:buFont typeface="Wingdings 2" charset="2"/>
+              <a:buChar char=""/>
+              <a:defRPr sz="1800" kern="1200">
+                <a:solidFill>
+                  <a:schemeClr val="tx1"/>
+                </a:solidFill>
+                <a:latin typeface="+mn-lt"/>
+                <a:ea typeface="+mn-ea"/>
+                <a:cs typeface="+mn-cs"/>
+              </a:defRPr>
+            </a:lvl1pPr>
+            <a:lvl2pPr marL="742950" indent="-285750" algn="l" defTabSz="457200" rtl="0" eaLnBrk="1" latinLnBrk="0" hangingPunct="1">
               <a:spcBef>
-                <a:spcPts val="2700"/>
+                <a:spcPct val="20000"/>
               </a:spcBef>
-              <a:defRPr sz="3332"/>
-            </a:pPr>
-            <a:r>
-              <a:rPr lang="ru-RU" dirty="0"/>
-              <a:t>При регистрации пользователю высылается уникальный логин от адреса admin@okayjournal.ru</a:t>
-            </a:r>
-          </a:p>
-          <a:p>
-            <a:pPr marL="435609" indent="-435609" defTabSz="572516">
+              <a:spcAft>
+                <a:spcPts val="600"/>
+              </a:spcAft>
+              <a:buClr>
+                <a:schemeClr val="accent1"/>
+              </a:buClr>
+              <a:buFont typeface="Wingdings 2" charset="2"/>
+              <a:buChar char=""/>
+              <a:defRPr sz="1600" kern="1200">
+                <a:solidFill>
+                  <a:schemeClr val="tx1"/>
+                </a:solidFill>
+                <a:latin typeface="+mn-lt"/>
+                <a:ea typeface="+mn-ea"/>
+                <a:cs typeface="+mn-cs"/>
+              </a:defRPr>
+            </a:lvl2pPr>
+            <a:lvl3pPr marL="1143000" indent="-228600" algn="l" defTabSz="457200" rtl="0" eaLnBrk="1" latinLnBrk="0" hangingPunct="1">
               <a:spcBef>
-                <a:spcPts val="2700"/>
+                <a:spcPct val="20000"/>
               </a:spcBef>
-              <a:defRPr sz="3332"/>
-            </a:pPr>
-            <a:r>
-              <a:rPr lang="ru-RU" dirty="0"/>
-              <a:t>Возможность входить в свой аккаунт через электронную почту или уникальный логин</a:t>
-            </a:r>
-          </a:p>
-          <a:p>
-            <a:pPr marL="435609" indent="-435609" defTabSz="572516">
+              <a:spcAft>
+                <a:spcPts val="600"/>
+              </a:spcAft>
+              <a:buClr>
+                <a:schemeClr val="accent1"/>
+              </a:buClr>
+              <a:buFont typeface="Wingdings 2" charset="2"/>
+              <a:buChar char=""/>
+              <a:defRPr sz="1400" kern="1200">
+                <a:solidFill>
+                  <a:schemeClr val="tx1"/>
+                </a:solidFill>
+                <a:latin typeface="+mn-lt"/>
+                <a:ea typeface="+mn-ea"/>
+                <a:cs typeface="+mn-cs"/>
+              </a:defRPr>
+            </a:lvl3pPr>
+            <a:lvl4pPr marL="1600200" indent="-228600" algn="l" defTabSz="457200" rtl="0" eaLnBrk="1" latinLnBrk="0" hangingPunct="1">
               <a:spcBef>
-                <a:spcPts val="2700"/>
+                <a:spcPct val="20000"/>
               </a:spcBef>
-              <a:defRPr sz="3332"/>
-            </a:pPr>
-            <a:r>
-              <a:rPr lang="ru-RU" dirty="0"/>
-              <a:t>Наличие возможности общаться между пользователями школы через систему сообщений</a:t>
-            </a:r>
-          </a:p>
-          <a:p>
-            <a:pPr marL="435609" indent="-435609" defTabSz="572516">
+              <a:spcAft>
+                <a:spcPts val="600"/>
+              </a:spcAft>
+              <a:buClr>
+                <a:schemeClr val="accent1"/>
+              </a:buClr>
+              <a:buFont typeface="Wingdings 2" charset="2"/>
+              <a:buChar char=""/>
+              <a:defRPr sz="1200" kern="1200">
+                <a:solidFill>
+                  <a:schemeClr val="tx1"/>
+                </a:solidFill>
+                <a:latin typeface="+mn-lt"/>
+                <a:ea typeface="+mn-ea"/>
+                <a:cs typeface="+mn-cs"/>
+              </a:defRPr>
+            </a:lvl4pPr>
+            <a:lvl5pPr marL="2057400" indent="-228600" algn="l" defTabSz="457200" rtl="0" eaLnBrk="1" latinLnBrk="0" hangingPunct="1">
               <a:spcBef>
-                <a:spcPts val="2700"/>
+                <a:spcPct val="20000"/>
               </a:spcBef>
-              <a:defRPr sz="3332"/>
-            </a:pPr>
-            <a:r>
-              <a:rPr lang="ru-RU" dirty="0"/>
-              <a:t>Все иконки нарисованы самостоятельно</a:t>
-            </a:r>
-          </a:p>
-          <a:p>
-            <a:endParaRPr lang="ru-RU" dirty="0"/>
+              <a:spcAft>
+                <a:spcPts val="600"/>
+              </a:spcAft>
+              <a:buClr>
+                <a:schemeClr val="accent1"/>
+              </a:buClr>
+              <a:buFont typeface="Wingdings 2" charset="2"/>
+              <a:buChar char=""/>
+              <a:defRPr sz="1200" kern="1200">
+                <a:solidFill>
+                  <a:schemeClr val="tx1"/>
+                </a:solidFill>
+                <a:latin typeface="+mn-lt"/>
+                <a:ea typeface="+mn-ea"/>
+                <a:cs typeface="+mn-cs"/>
+              </a:defRPr>
+            </a:lvl5pPr>
+            <a:lvl6pPr marL="2400000" indent="-228600" algn="l" defTabSz="457200" rtl="0" eaLnBrk="1" latinLnBrk="0" hangingPunct="1">
+              <a:spcBef>
+                <a:spcPct val="20000"/>
+              </a:spcBef>
+              <a:spcAft>
+                <a:spcPts val="600"/>
+              </a:spcAft>
+              <a:buClr>
+                <a:schemeClr val="accent1"/>
+              </a:buClr>
+              <a:buFont typeface="Wingdings 2" charset="2"/>
+              <a:buChar char=""/>
+              <a:defRPr sz="1200" kern="1200">
+                <a:solidFill>
+                  <a:schemeClr val="tx1"/>
+                </a:solidFill>
+                <a:latin typeface="+mn-lt"/>
+                <a:ea typeface="+mn-ea"/>
+                <a:cs typeface="+mn-cs"/>
+              </a:defRPr>
+            </a:lvl6pPr>
+            <a:lvl7pPr marL="2800000" indent="-228600" algn="l" defTabSz="457200" rtl="0" eaLnBrk="1" latinLnBrk="0" hangingPunct="1">
+              <a:spcBef>
+                <a:spcPct val="20000"/>
+              </a:spcBef>
+              <a:spcAft>
+                <a:spcPts val="600"/>
+              </a:spcAft>
+              <a:buClr>
+                <a:schemeClr val="accent1"/>
+              </a:buClr>
+              <a:buFont typeface="Wingdings 2" charset="2"/>
+              <a:buChar char=""/>
+              <a:defRPr sz="1200" kern="1200">
+                <a:solidFill>
+                  <a:schemeClr val="tx1"/>
+                </a:solidFill>
+                <a:latin typeface="+mn-lt"/>
+                <a:ea typeface="+mn-ea"/>
+                <a:cs typeface="+mn-cs"/>
+              </a:defRPr>
+            </a:lvl7pPr>
+            <a:lvl8pPr marL="3200000" indent="-228600" algn="l" defTabSz="457200" rtl="0" eaLnBrk="1" latinLnBrk="0" hangingPunct="1">
+              <a:spcBef>
+                <a:spcPct val="20000"/>
+              </a:spcBef>
+              <a:spcAft>
+                <a:spcPts val="600"/>
+              </a:spcAft>
+              <a:buClr>
+                <a:schemeClr val="accent1"/>
+              </a:buClr>
+              <a:buFont typeface="Wingdings 2" charset="2"/>
+              <a:buChar char=""/>
+              <a:defRPr sz="1200" kern="1200">
+                <a:solidFill>
+                  <a:schemeClr val="tx1"/>
+                </a:solidFill>
+                <a:latin typeface="+mn-lt"/>
+                <a:ea typeface="+mn-ea"/>
+                <a:cs typeface="+mn-cs"/>
+              </a:defRPr>
+            </a:lvl8pPr>
+            <a:lvl9pPr marL="3600000" indent="-228600" algn="l" defTabSz="457200" rtl="0" eaLnBrk="1" latinLnBrk="0" hangingPunct="1">
+              <a:spcBef>
+                <a:spcPct val="20000"/>
+              </a:spcBef>
+              <a:spcAft>
+                <a:spcPts val="600"/>
+              </a:spcAft>
+              <a:buClr>
+                <a:schemeClr val="accent1"/>
+              </a:buClr>
+              <a:buFont typeface="Wingdings 2" charset="2"/>
+              <a:buChar char=""/>
+              <a:defRPr sz="1200" kern="1200">
+                <a:solidFill>
+                  <a:schemeClr val="tx1"/>
+                </a:solidFill>
+                <a:latin typeface="+mn-lt"/>
+                <a:ea typeface="+mn-ea"/>
+                <a:cs typeface="+mn-cs"/>
+              </a:defRPr>
+            </a:lvl9pPr>
+          </a:lstStyle>
+          <a:p>
+            <a:endParaRPr lang="ru-RU" dirty="0" smtClean="0"/>
+          </a:p>
+          <a:p>
+            <a:r>
+              <a:rPr lang="en-US" dirty="0" smtClean="0"/>
+              <a:t>/announcements – </a:t>
+            </a:r>
+            <a:r>
+              <a:rPr lang="ru-RU" dirty="0" smtClean="0"/>
+              <a:t>доска объявлений школы</a:t>
+            </a:r>
+            <a:r>
+              <a:rPr lang="en-US" dirty="0" smtClean="0"/>
+              <a:t>;</a:t>
+            </a:r>
+            <a:endParaRPr lang="ru-RU" dirty="0" smtClean="0"/>
+          </a:p>
+          <a:p>
+            <a:r>
+              <a:rPr lang="en-US" dirty="0" smtClean="0"/>
+              <a:t>/classes – </a:t>
+            </a:r>
+            <a:r>
+              <a:rPr lang="ru-RU" dirty="0" smtClean="0"/>
+              <a:t>настройка классов школы (доступно только администратору школы)</a:t>
+            </a:r>
+            <a:r>
+              <a:rPr lang="en-US" dirty="0" smtClean="0"/>
+              <a:t>;</a:t>
+            </a:r>
+            <a:endParaRPr lang="ru-RU" dirty="0" smtClean="0"/>
+          </a:p>
+          <a:p>
+            <a:r>
+              <a:rPr lang="en-US" dirty="0" smtClean="0"/>
+              <a:t>/grading – </a:t>
+            </a:r>
+            <a:r>
+              <a:rPr lang="ru-RU" dirty="0" smtClean="0"/>
+              <a:t>выставление оценок, заполнение темы и домашнего задания для определенной даты (доступно только учителю</a:t>
+            </a:r>
+            <a:r>
+              <a:rPr lang="en-US" dirty="0" smtClean="0"/>
+              <a:t>);</a:t>
+            </a:r>
+            <a:endParaRPr lang="ru-RU" dirty="0" smtClean="0"/>
+          </a:p>
+          <a:p>
+            <a:r>
+              <a:rPr lang="en-US" dirty="0" smtClean="0"/>
+              <a:t>/journal – </a:t>
+            </a:r>
+            <a:r>
+              <a:rPr lang="ru-RU" dirty="0" smtClean="0"/>
+              <a:t>журнал с оценками (доступно только учителю</a:t>
+            </a:r>
+            <a:r>
+              <a:rPr lang="en-US" dirty="0" smtClean="0"/>
+              <a:t>);</a:t>
+            </a:r>
+            <a:endParaRPr lang="ru-RU" dirty="0" smtClean="0"/>
+          </a:p>
+          <a:p>
+            <a:r>
+              <a:rPr lang="en-US" dirty="0" smtClean="0"/>
+              <a:t>/lesson_times – </a:t>
+            </a:r>
+            <a:r>
+              <a:rPr lang="ru-RU" dirty="0" smtClean="0"/>
+              <a:t>настройка расписания звонков (доступно только школьному администратору)</a:t>
+            </a:r>
+            <a:r>
+              <a:rPr lang="en-US" dirty="0" smtClean="0"/>
+              <a:t>;</a:t>
+            </a:r>
+          </a:p>
+          <a:p>
+            <a:r>
+              <a:rPr lang="en-US" dirty="0" smtClean="0"/>
+              <a:t>/messages – OkayJournal </a:t>
+            </a:r>
+            <a:r>
+              <a:rPr lang="ru-RU" dirty="0" smtClean="0"/>
+              <a:t>мессенджер</a:t>
+            </a:r>
+            <a:r>
+              <a:rPr lang="en-US" dirty="0" smtClean="0"/>
+              <a:t>;</a:t>
+            </a:r>
+          </a:p>
+          <a:p>
+            <a:r>
+              <a:rPr lang="en-US" dirty="0" smtClean="0"/>
+              <a:t>/school_managing – </a:t>
+            </a:r>
+            <a:r>
+              <a:rPr lang="ru-RU" dirty="0" smtClean="0"/>
+              <a:t>меню настроек школы (доступно только школьному администратору)</a:t>
+            </a:r>
+            <a:r>
+              <a:rPr lang="en-US" dirty="0" smtClean="0"/>
+              <a:t>;</a:t>
+            </a:r>
+            <a:r>
+              <a:rPr lang="en-US" dirty="0"/>
+              <a:t/>
+            </a:r>
+            <a:br>
+              <a:rPr lang="en-US" dirty="0"/>
+            </a:br>
+            <a:endParaRPr lang="it-IT" dirty="0"/>
           </a:p>
         </p:txBody>
       </p:sp>
     </p:spTree>
     <p:extLst>
       <p:ext uri="{BB962C8B-B14F-4D97-AF65-F5344CB8AC3E}">
-        <p14:creationId xmlns:p14="http://schemas.microsoft.com/office/powerpoint/2010/main" val="2454368085"/>
+        <p14:creationId xmlns:p14="http://schemas.microsoft.com/office/powerpoint/2010/main" val="410764829"/>
       </p:ext>
     </p:extLst>
   </p:cSld>
@@ -6895,6 +7499,196 @@
           <a:lstStyle/>
           <a:p>
             <a:r>
+              <a:rPr lang="ru-RU" dirty="0"/>
+              <a:t>Особенности</a:t>
+            </a:r>
+          </a:p>
+        </p:txBody>
+      </p:sp>
+      <p:sp>
+        <p:nvSpPr>
+          <p:cNvPr id="3" name="Объект 2"/>
+          <p:cNvSpPr>
+            <a:spLocks noGrp="1"/>
+          </p:cNvSpPr>
+          <p:nvPr>
+            <p:ph idx="1"/>
+          </p:nvPr>
+        </p:nvSpPr>
+        <p:spPr>
+          <a:xfrm>
+            <a:off x="810000" y="2420695"/>
+            <a:ext cx="10990850" cy="3636511"/>
+          </a:xfrm>
+        </p:spPr>
+        <p:txBody>
+          <a:bodyPr>
+            <a:normAutofit fontScale="70000" lnSpcReduction="20000"/>
+          </a:bodyPr>
+          <a:lstStyle/>
+          <a:p>
+            <a:pPr marL="435609" indent="-435609" defTabSz="572516">
+              <a:spcBef>
+                <a:spcPts val="2700"/>
+              </a:spcBef>
+              <a:defRPr sz="3332"/>
+            </a:pPr>
+            <a:r>
+              <a:rPr lang="ru-RU" dirty="0" smtClean="0"/>
+              <a:t>При </a:t>
+            </a:r>
+            <a:r>
+              <a:rPr lang="ru-RU" dirty="0"/>
+              <a:t>регистрации пользователю высылается </a:t>
+            </a:r>
+            <a:r>
+              <a:rPr lang="ru-RU" dirty="0" smtClean="0"/>
+              <a:t>на почту уникальный </a:t>
+            </a:r>
+            <a:r>
+              <a:rPr lang="ru-RU" dirty="0"/>
+              <a:t>логин </a:t>
+            </a:r>
+            <a:r>
+              <a:rPr lang="ru-RU" dirty="0" smtClean="0"/>
+              <a:t>и одноразовый пароль для входа систему. </a:t>
+            </a:r>
+            <a:r>
+              <a:rPr lang="ru-RU" dirty="0" smtClean="0"/>
+              <a:t>Отправитель - </a:t>
+            </a:r>
+            <a:r>
+              <a:rPr lang="ru-RU" b="1" dirty="0" smtClean="0"/>
+              <a:t>admin@okayjournal.ru</a:t>
+            </a:r>
+            <a:r>
+              <a:rPr lang="en-US" b="1" dirty="0" smtClean="0"/>
+              <a:t>;</a:t>
+            </a:r>
+            <a:endParaRPr lang="ru-RU" b="1" dirty="0"/>
+          </a:p>
+          <a:p>
+            <a:pPr marL="435609" indent="-435609" defTabSz="572516">
+              <a:spcBef>
+                <a:spcPts val="2700"/>
+              </a:spcBef>
+              <a:defRPr sz="3332"/>
+            </a:pPr>
+            <a:r>
+              <a:rPr lang="ru-RU" dirty="0"/>
+              <a:t>Возможность входить в свой аккаунт через электронную почту или уникальный </a:t>
+            </a:r>
+            <a:r>
+              <a:rPr lang="ru-RU" dirty="0" smtClean="0"/>
+              <a:t>логин</a:t>
+            </a:r>
+            <a:r>
+              <a:rPr lang="en-US" dirty="0"/>
+              <a:t>;</a:t>
+            </a:r>
+            <a:endParaRPr lang="ru-RU" dirty="0"/>
+          </a:p>
+          <a:p>
+            <a:pPr marL="435609" indent="-435609" defTabSz="572516">
+              <a:spcBef>
+                <a:spcPts val="2700"/>
+              </a:spcBef>
+              <a:defRPr sz="3332"/>
+            </a:pPr>
+            <a:r>
+              <a:rPr lang="ru-RU" dirty="0" smtClean="0"/>
+              <a:t>Личный </a:t>
+            </a:r>
+            <a:r>
+              <a:rPr lang="en-US" dirty="0" smtClean="0"/>
+              <a:t>OkayJournal </a:t>
+            </a:r>
+            <a:r>
+              <a:rPr lang="ru-RU" dirty="0" smtClean="0"/>
+              <a:t>мессенджер</a:t>
+            </a:r>
+            <a:r>
+              <a:rPr lang="en-US" dirty="0"/>
+              <a:t>;</a:t>
+            </a:r>
+            <a:endParaRPr lang="ru-RU" dirty="0" smtClean="0"/>
+          </a:p>
+          <a:p>
+            <a:pPr marL="435609" indent="-435609" defTabSz="572516">
+              <a:spcBef>
+                <a:spcPts val="2700"/>
+              </a:spcBef>
+              <a:defRPr sz="3332"/>
+            </a:pPr>
+            <a:r>
+              <a:rPr lang="ru-RU" dirty="0" smtClean="0"/>
+              <a:t>Все </a:t>
+            </a:r>
+            <a:r>
+              <a:rPr lang="ru-RU" dirty="0"/>
+              <a:t>иконки нарисованы </a:t>
+            </a:r>
+            <a:r>
+              <a:rPr lang="ru-RU" dirty="0" smtClean="0"/>
+              <a:t>самостоятельно</a:t>
+            </a:r>
+            <a:r>
+              <a:rPr lang="en-US" dirty="0"/>
+              <a:t>.</a:t>
+            </a:r>
+            <a:endParaRPr lang="ru-RU" dirty="0"/>
+          </a:p>
+          <a:p>
+            <a:endParaRPr lang="ru-RU" dirty="0"/>
+          </a:p>
+        </p:txBody>
+      </p:sp>
+    </p:spTree>
+    <p:extLst>
+      <p:ext uri="{BB962C8B-B14F-4D97-AF65-F5344CB8AC3E}">
+        <p14:creationId xmlns:p14="http://schemas.microsoft.com/office/powerpoint/2010/main" val="2454368085"/>
+      </p:ext>
+    </p:extLst>
+  </p:cSld>
+  <p:clrMapOvr>
+    <a:masterClrMapping/>
+  </p:clrMapOvr>
+</p:sld>
+</file>
+
+<file path=ppt/slides/slide7.xml><?xml version="1.0" encoding="utf-8"?>
+<p:sld xmlns:a="http://schemas.openxmlformats.org/drawingml/2006/main" xmlns:r="http://schemas.openxmlformats.org/officeDocument/2006/relationships" xmlns:p="http://schemas.openxmlformats.org/presentationml/2006/main">
+  <p:cSld>
+    <p:spTree>
+      <p:nvGrpSpPr>
+        <p:cNvPr id="1" name=""/>
+        <p:cNvGrpSpPr/>
+        <p:nvPr/>
+      </p:nvGrpSpPr>
+      <p:grpSpPr>
+        <a:xfrm>
+          <a:off x="0" y="0"/>
+          <a:ext cx="0" cy="0"/>
+          <a:chOff x="0" y="0"/>
+          <a:chExt cx="0" cy="0"/>
+        </a:xfrm>
+      </p:grpSpPr>
+      <p:sp>
+        <p:nvSpPr>
+          <p:cNvPr id="2" name="Заголовок 1"/>
+          <p:cNvSpPr>
+            <a:spLocks noGrp="1"/>
+          </p:cNvSpPr>
+          <p:nvPr>
+            <p:ph type="title"/>
+          </p:nvPr>
+        </p:nvSpPr>
+        <p:spPr/>
+        <p:txBody>
+          <a:bodyPr/>
+          <a:lstStyle/>
+          <a:p>
+            <a:r>
               <a:rPr lang="ru-RU" dirty="0" smtClean="0"/>
               <a:t>Использованные технологии</a:t>
             </a:r>
@@ -6912,124 +7706,640 @@
             <p:ph idx="1"/>
           </p:nvPr>
         </p:nvSpPr>
-        <p:spPr/>
-        <p:txBody>
-          <a:bodyPr>
-            <a:normAutofit fontScale="85000" lnSpcReduction="20000"/>
+        <p:spPr>
+          <a:xfrm>
+            <a:off x="146649" y="2110145"/>
+            <a:ext cx="7333251" cy="4394172"/>
+          </a:xfrm>
+        </p:spPr>
+        <p:txBody>
+          <a:bodyPr numCol="2">
+            <a:normAutofit/>
           </a:bodyPr>
           <a:lstStyle/>
           <a:p>
-            <a:pPr marL="355600" indent="-355600" defTabSz="467359">
+            <a:pPr marL="180000" indent="-355600" defTabSz="467359">
+              <a:lnSpc>
+                <a:spcPct val="120000"/>
+              </a:lnSpc>
               <a:spcBef>
                 <a:spcPts val="2200"/>
               </a:spcBef>
               <a:defRPr sz="2720"/>
             </a:pPr>
             <a:r>
-              <a:rPr lang="ru-RU" dirty="0"/>
-              <a:t>Программное обеспечение:</a:t>
-            </a:r>
-            <a:br>
-              <a:rPr lang="ru-RU" dirty="0"/>
-            </a:br>
-            <a:r>
-              <a:rPr lang="en-US" dirty="0" err="1"/>
-              <a:t>PyCharm</a:t>
-            </a:r>
-            <a:r>
-              <a:rPr lang="en-US" dirty="0"/>
-              <a:t> 2018 </a:t>
-            </a:r>
-            <a:r>
-              <a:rPr lang="en-US" dirty="0" smtClean="0"/>
-              <a:t>Professional Edition</a:t>
-            </a:r>
-            <a:r>
-              <a:rPr lang="en-US" dirty="0"/>
-              <a:t/>
-            </a:r>
-            <a:br>
-              <a:rPr lang="en-US" dirty="0"/>
-            </a:br>
-            <a:r>
-              <a:rPr lang="en-US" dirty="0"/>
-              <a:t>HTML</a:t>
-            </a:r>
-            <a:br>
-              <a:rPr lang="en-US" dirty="0"/>
-            </a:br>
-            <a:r>
-              <a:rPr lang="en-US" dirty="0"/>
-              <a:t>CSS</a:t>
-            </a:r>
-            <a:br>
-              <a:rPr lang="en-US" dirty="0"/>
-            </a:br>
-            <a:r>
-              <a:rPr lang="en-US" dirty="0"/>
-              <a:t>Python 3</a:t>
-            </a:r>
-            <a:br>
-              <a:rPr lang="en-US" dirty="0"/>
-            </a:br>
-            <a:r>
-              <a:rPr lang="en-US" dirty="0"/>
-              <a:t>JavaScript</a:t>
-            </a:r>
-            <a:br>
-              <a:rPr lang="en-US" dirty="0"/>
-            </a:br>
-            <a:r>
-              <a:rPr lang="en-US" dirty="0" smtClean="0"/>
-              <a:t>Ajax</a:t>
-            </a:r>
-            <a:endParaRPr lang="en-US" dirty="0"/>
-          </a:p>
-          <a:p>
-            <a:pPr marL="355600" indent="-355600" defTabSz="467359">
+              <a:rPr lang="ru-RU" b="1" dirty="0"/>
+              <a:t>Программное обеспечение</a:t>
+            </a:r>
+            <a:r>
+              <a:rPr lang="ru-RU" dirty="0" smtClean="0"/>
+              <a:t>:</a:t>
+            </a:r>
+            <a:endParaRPr lang="en-US" dirty="0" smtClean="0"/>
+          </a:p>
+          <a:p>
+            <a:pPr marL="180000" indent="-355600" defTabSz="467359">
+              <a:lnSpc>
+                <a:spcPct val="120000"/>
+              </a:lnSpc>
               <a:spcBef>
                 <a:spcPts val="2200"/>
               </a:spcBef>
               <a:defRPr sz="2720"/>
             </a:pPr>
             <a:r>
-              <a:rPr lang="ru-RU" dirty="0" smtClean="0"/>
-              <a:t>Библиотеки </a:t>
-            </a:r>
-            <a:r>
-              <a:rPr lang="ru-RU" dirty="0"/>
-              <a:t>и </a:t>
-            </a:r>
-            <a:r>
-              <a:rPr lang="ru-RU" dirty="0" err="1" smtClean="0"/>
-              <a:t>фреймворки</a:t>
-            </a:r>
-            <a:r>
-              <a:rPr lang="ru-RU" dirty="0"/>
+              <a:rPr lang="en-US" dirty="0" smtClean="0"/>
+              <a:t>PyCharm </a:t>
+            </a:r>
+            <a:r>
+              <a:rPr lang="en-US" dirty="0"/>
+              <a:t>2018 </a:t>
+            </a:r>
+            <a:r>
+              <a:rPr lang="en-US" dirty="0" smtClean="0"/>
+              <a:t>Professional </a:t>
+            </a:r>
+            <a:r>
+              <a:rPr lang="en-US" dirty="0" smtClean="0"/>
+              <a:t>Edition</a:t>
+            </a:r>
+          </a:p>
+          <a:p>
+            <a:pPr marL="180000" indent="-355600" defTabSz="467359">
+              <a:lnSpc>
+                <a:spcPct val="120000"/>
+              </a:lnSpc>
+              <a:spcBef>
+                <a:spcPts val="2200"/>
+              </a:spcBef>
+              <a:defRPr sz="2720"/>
+            </a:pPr>
+            <a:r>
+              <a:rPr lang="en-US" dirty="0" smtClean="0"/>
+              <a:t>Adobe Photoshop CC</a:t>
+            </a:r>
+          </a:p>
+        </p:txBody>
+      </p:sp>
+      <p:sp>
+        <p:nvSpPr>
+          <p:cNvPr id="5" name="Объект 2"/>
+          <p:cNvSpPr txBox="1">
+            <a:spLocks/>
+          </p:cNvSpPr>
+          <p:nvPr/>
+        </p:nvSpPr>
+        <p:spPr>
+          <a:xfrm>
+            <a:off x="3666625" y="2437948"/>
+            <a:ext cx="4083968" cy="2602754"/>
+          </a:xfrm>
+          <a:prstGeom prst="rect">
+            <a:avLst/>
+          </a:prstGeom>
+          <a:effectLst>
+            <a:outerShdw blurRad="50800" dir="14400000">
+              <a:srgbClr val="000000">
+                <a:alpha val="40000"/>
+              </a:srgbClr>
+            </a:outerShdw>
+          </a:effectLst>
+        </p:spPr>
+        <p:txBody>
+          <a:bodyPr vert="horz" lIns="91440" tIns="45720" rIns="91440" bIns="45720" rtlCol="0" anchor="ctr">
+            <a:normAutofit fontScale="85000" lnSpcReduction="20000"/>
+          </a:bodyPr>
+          <a:lstStyle>
+            <a:lvl1pPr marL="342900" indent="-342900" algn="l" defTabSz="457200" rtl="0" eaLnBrk="1" latinLnBrk="0" hangingPunct="1">
+              <a:spcBef>
+                <a:spcPct val="20000"/>
+              </a:spcBef>
+              <a:spcAft>
+                <a:spcPts val="600"/>
+              </a:spcAft>
+              <a:buClr>
+                <a:schemeClr val="accent1"/>
+              </a:buClr>
+              <a:buFont typeface="Wingdings 2" charset="2"/>
+              <a:buChar char=""/>
+              <a:defRPr sz="1800" kern="1200">
+                <a:solidFill>
+                  <a:schemeClr val="tx1"/>
+                </a:solidFill>
+                <a:latin typeface="+mn-lt"/>
+                <a:ea typeface="+mn-ea"/>
+                <a:cs typeface="+mn-cs"/>
+              </a:defRPr>
+            </a:lvl1pPr>
+            <a:lvl2pPr marL="742950" indent="-285750" algn="l" defTabSz="457200" rtl="0" eaLnBrk="1" latinLnBrk="0" hangingPunct="1">
+              <a:spcBef>
+                <a:spcPct val="20000"/>
+              </a:spcBef>
+              <a:spcAft>
+                <a:spcPts val="600"/>
+              </a:spcAft>
+              <a:buClr>
+                <a:schemeClr val="accent1"/>
+              </a:buClr>
+              <a:buFont typeface="Wingdings 2" charset="2"/>
+              <a:buChar char=""/>
+              <a:defRPr sz="1600" kern="1200">
+                <a:solidFill>
+                  <a:schemeClr val="tx1"/>
+                </a:solidFill>
+                <a:latin typeface="+mn-lt"/>
+                <a:ea typeface="+mn-ea"/>
+                <a:cs typeface="+mn-cs"/>
+              </a:defRPr>
+            </a:lvl2pPr>
+            <a:lvl3pPr marL="1143000" indent="-228600" algn="l" defTabSz="457200" rtl="0" eaLnBrk="1" latinLnBrk="0" hangingPunct="1">
+              <a:spcBef>
+                <a:spcPct val="20000"/>
+              </a:spcBef>
+              <a:spcAft>
+                <a:spcPts val="600"/>
+              </a:spcAft>
+              <a:buClr>
+                <a:schemeClr val="accent1"/>
+              </a:buClr>
+              <a:buFont typeface="Wingdings 2" charset="2"/>
+              <a:buChar char=""/>
+              <a:defRPr sz="1400" kern="1200">
+                <a:solidFill>
+                  <a:schemeClr val="tx1"/>
+                </a:solidFill>
+                <a:latin typeface="+mn-lt"/>
+                <a:ea typeface="+mn-ea"/>
+                <a:cs typeface="+mn-cs"/>
+              </a:defRPr>
+            </a:lvl3pPr>
+            <a:lvl4pPr marL="1600200" indent="-228600" algn="l" defTabSz="457200" rtl="0" eaLnBrk="1" latinLnBrk="0" hangingPunct="1">
+              <a:spcBef>
+                <a:spcPct val="20000"/>
+              </a:spcBef>
+              <a:spcAft>
+                <a:spcPts val="600"/>
+              </a:spcAft>
+              <a:buClr>
+                <a:schemeClr val="accent1"/>
+              </a:buClr>
+              <a:buFont typeface="Wingdings 2" charset="2"/>
+              <a:buChar char=""/>
+              <a:defRPr sz="1200" kern="1200">
+                <a:solidFill>
+                  <a:schemeClr val="tx1"/>
+                </a:solidFill>
+                <a:latin typeface="+mn-lt"/>
+                <a:ea typeface="+mn-ea"/>
+                <a:cs typeface="+mn-cs"/>
+              </a:defRPr>
+            </a:lvl4pPr>
+            <a:lvl5pPr marL="2057400" indent="-228600" algn="l" defTabSz="457200" rtl="0" eaLnBrk="1" latinLnBrk="0" hangingPunct="1">
+              <a:spcBef>
+                <a:spcPct val="20000"/>
+              </a:spcBef>
+              <a:spcAft>
+                <a:spcPts val="600"/>
+              </a:spcAft>
+              <a:buClr>
+                <a:schemeClr val="accent1"/>
+              </a:buClr>
+              <a:buFont typeface="Wingdings 2" charset="2"/>
+              <a:buChar char=""/>
+              <a:defRPr sz="1200" kern="1200">
+                <a:solidFill>
+                  <a:schemeClr val="tx1"/>
+                </a:solidFill>
+                <a:latin typeface="+mn-lt"/>
+                <a:ea typeface="+mn-ea"/>
+                <a:cs typeface="+mn-cs"/>
+              </a:defRPr>
+            </a:lvl5pPr>
+            <a:lvl6pPr marL="2400000" indent="-228600" algn="l" defTabSz="457200" rtl="0" eaLnBrk="1" latinLnBrk="0" hangingPunct="1">
+              <a:spcBef>
+                <a:spcPct val="20000"/>
+              </a:spcBef>
+              <a:spcAft>
+                <a:spcPts val="600"/>
+              </a:spcAft>
+              <a:buClr>
+                <a:schemeClr val="accent1"/>
+              </a:buClr>
+              <a:buFont typeface="Wingdings 2" charset="2"/>
+              <a:buChar char=""/>
+              <a:defRPr sz="1200" kern="1200">
+                <a:solidFill>
+                  <a:schemeClr val="tx1"/>
+                </a:solidFill>
+                <a:latin typeface="+mn-lt"/>
+                <a:ea typeface="+mn-ea"/>
+                <a:cs typeface="+mn-cs"/>
+              </a:defRPr>
+            </a:lvl6pPr>
+            <a:lvl7pPr marL="2800000" indent="-228600" algn="l" defTabSz="457200" rtl="0" eaLnBrk="1" latinLnBrk="0" hangingPunct="1">
+              <a:spcBef>
+                <a:spcPct val="20000"/>
+              </a:spcBef>
+              <a:spcAft>
+                <a:spcPts val="600"/>
+              </a:spcAft>
+              <a:buClr>
+                <a:schemeClr val="accent1"/>
+              </a:buClr>
+              <a:buFont typeface="Wingdings 2" charset="2"/>
+              <a:buChar char=""/>
+              <a:defRPr sz="1200" kern="1200">
+                <a:solidFill>
+                  <a:schemeClr val="tx1"/>
+                </a:solidFill>
+                <a:latin typeface="+mn-lt"/>
+                <a:ea typeface="+mn-ea"/>
+                <a:cs typeface="+mn-cs"/>
+              </a:defRPr>
+            </a:lvl7pPr>
+            <a:lvl8pPr marL="3200000" indent="-228600" algn="l" defTabSz="457200" rtl="0" eaLnBrk="1" latinLnBrk="0" hangingPunct="1">
+              <a:spcBef>
+                <a:spcPct val="20000"/>
+              </a:spcBef>
+              <a:spcAft>
+                <a:spcPts val="600"/>
+              </a:spcAft>
+              <a:buClr>
+                <a:schemeClr val="accent1"/>
+              </a:buClr>
+              <a:buFont typeface="Wingdings 2" charset="2"/>
+              <a:buChar char=""/>
+              <a:defRPr sz="1200" kern="1200">
+                <a:solidFill>
+                  <a:schemeClr val="tx1"/>
+                </a:solidFill>
+                <a:latin typeface="+mn-lt"/>
+                <a:ea typeface="+mn-ea"/>
+                <a:cs typeface="+mn-cs"/>
+              </a:defRPr>
+            </a:lvl8pPr>
+            <a:lvl9pPr marL="3600000" indent="-228600" algn="l" defTabSz="457200" rtl="0" eaLnBrk="1" latinLnBrk="0" hangingPunct="1">
+              <a:spcBef>
+                <a:spcPct val="20000"/>
+              </a:spcBef>
+              <a:spcAft>
+                <a:spcPts val="600"/>
+              </a:spcAft>
+              <a:buClr>
+                <a:schemeClr val="accent1"/>
+              </a:buClr>
+              <a:buFont typeface="Wingdings 2" charset="2"/>
+              <a:buChar char=""/>
+              <a:defRPr sz="1200" kern="1200">
+                <a:solidFill>
+                  <a:schemeClr val="tx1"/>
+                </a:solidFill>
+                <a:latin typeface="+mn-lt"/>
+                <a:ea typeface="+mn-ea"/>
+                <a:cs typeface="+mn-cs"/>
+              </a:defRPr>
+            </a:lvl9pPr>
+          </a:lstStyle>
+          <a:p>
+            <a:pPr defTabSz="467359">
+              <a:spcBef>
+                <a:spcPts val="2200"/>
+              </a:spcBef>
+              <a:defRPr sz="2720"/>
+            </a:pPr>
+            <a:r>
+              <a:rPr lang="ru-RU" sz="2720" b="1" dirty="0" smtClean="0"/>
+              <a:t>Библиотеки и фреймворки</a:t>
+            </a:r>
+            <a:r>
+              <a:rPr lang="ru-RU" sz="2720" dirty="0" smtClean="0"/>
               <a:t>:</a:t>
             </a:r>
-            <a:br>
-              <a:rPr lang="ru-RU" dirty="0"/>
-            </a:br>
-            <a:r>
-              <a:rPr lang="en-US" dirty="0"/>
-              <a:t>jQuery</a:t>
-            </a:r>
-            <a:br>
-              <a:rPr lang="en-US" dirty="0"/>
-            </a:br>
-            <a:r>
-              <a:rPr lang="en-US" dirty="0"/>
-              <a:t>Flask</a:t>
-            </a:r>
-            <a:br>
-              <a:rPr lang="en-US" dirty="0"/>
-            </a:br>
-            <a:r>
-              <a:rPr lang="en-US" dirty="0" err="1"/>
-              <a:t>SQLAlchemy</a:t>
-            </a:r>
-            <a:endParaRPr lang="ru-RU" dirty="0"/>
+            <a:endParaRPr lang="en-US" sz="2720" dirty="0" smtClean="0"/>
+          </a:p>
+          <a:p>
+            <a:pPr defTabSz="467359">
+              <a:spcBef>
+                <a:spcPts val="2200"/>
+              </a:spcBef>
+              <a:defRPr sz="2720"/>
+            </a:pPr>
+            <a:r>
+              <a:rPr lang="en-US" sz="2720" dirty="0" smtClean="0"/>
+              <a:t>jQuery;</a:t>
+            </a:r>
+          </a:p>
+          <a:p>
+            <a:pPr defTabSz="467359">
+              <a:spcBef>
+                <a:spcPts val="2200"/>
+              </a:spcBef>
+              <a:defRPr sz="2720"/>
+            </a:pPr>
+            <a:r>
+              <a:rPr lang="en-US" sz="2720" dirty="0" smtClean="0"/>
+              <a:t>Flask;</a:t>
+            </a:r>
+          </a:p>
+          <a:p>
+            <a:pPr defTabSz="467359">
+              <a:spcBef>
+                <a:spcPts val="2200"/>
+              </a:spcBef>
+              <a:defRPr sz="2720"/>
+            </a:pPr>
+            <a:r>
+              <a:rPr lang="en-US" sz="2720" dirty="0" smtClean="0"/>
+              <a:t>SQLAlchemy.</a:t>
+            </a:r>
+            <a:endParaRPr lang="en-US" sz="2720" dirty="0"/>
+          </a:p>
+        </p:txBody>
+      </p:sp>
+      <p:sp>
+        <p:nvSpPr>
+          <p:cNvPr id="6" name="Объект 2"/>
+          <p:cNvSpPr txBox="1">
+            <a:spLocks/>
+          </p:cNvSpPr>
+          <p:nvPr/>
+        </p:nvSpPr>
+        <p:spPr>
+          <a:xfrm>
+            <a:off x="6471888" y="2437948"/>
+            <a:ext cx="5096135" cy="3497025"/>
+          </a:xfrm>
+          <a:prstGeom prst="rect">
+            <a:avLst/>
+          </a:prstGeom>
+          <a:effectLst>
+            <a:outerShdw blurRad="50800" dir="14400000">
+              <a:srgbClr val="000000">
+                <a:alpha val="40000"/>
+              </a:srgbClr>
+            </a:outerShdw>
+          </a:effectLst>
+        </p:spPr>
+        <p:txBody>
+          <a:bodyPr vert="horz" lIns="91440" tIns="45720" rIns="91440" bIns="45720" rtlCol="0" anchor="ctr">
+            <a:normAutofit fontScale="92500" lnSpcReduction="20000"/>
+          </a:bodyPr>
+          <a:lstStyle>
+            <a:lvl1pPr marL="342900" indent="-342900" algn="l" defTabSz="457200" rtl="0" eaLnBrk="1" latinLnBrk="0" hangingPunct="1">
+              <a:spcBef>
+                <a:spcPct val="20000"/>
+              </a:spcBef>
+              <a:spcAft>
+                <a:spcPts val="600"/>
+              </a:spcAft>
+              <a:buClr>
+                <a:schemeClr val="accent1"/>
+              </a:buClr>
+              <a:buFont typeface="Wingdings 2" charset="2"/>
+              <a:buChar char=""/>
+              <a:defRPr sz="1800" kern="1200">
+                <a:solidFill>
+                  <a:schemeClr val="tx1"/>
+                </a:solidFill>
+                <a:latin typeface="+mn-lt"/>
+                <a:ea typeface="+mn-ea"/>
+                <a:cs typeface="+mn-cs"/>
+              </a:defRPr>
+            </a:lvl1pPr>
+            <a:lvl2pPr marL="742950" indent="-285750" algn="l" defTabSz="457200" rtl="0" eaLnBrk="1" latinLnBrk="0" hangingPunct="1">
+              <a:spcBef>
+                <a:spcPct val="20000"/>
+              </a:spcBef>
+              <a:spcAft>
+                <a:spcPts val="600"/>
+              </a:spcAft>
+              <a:buClr>
+                <a:schemeClr val="accent1"/>
+              </a:buClr>
+              <a:buFont typeface="Wingdings 2" charset="2"/>
+              <a:buChar char=""/>
+              <a:defRPr sz="1600" kern="1200">
+                <a:solidFill>
+                  <a:schemeClr val="tx1"/>
+                </a:solidFill>
+                <a:latin typeface="+mn-lt"/>
+                <a:ea typeface="+mn-ea"/>
+                <a:cs typeface="+mn-cs"/>
+              </a:defRPr>
+            </a:lvl2pPr>
+            <a:lvl3pPr marL="1143000" indent="-228600" algn="l" defTabSz="457200" rtl="0" eaLnBrk="1" latinLnBrk="0" hangingPunct="1">
+              <a:spcBef>
+                <a:spcPct val="20000"/>
+              </a:spcBef>
+              <a:spcAft>
+                <a:spcPts val="600"/>
+              </a:spcAft>
+              <a:buClr>
+                <a:schemeClr val="accent1"/>
+              </a:buClr>
+              <a:buFont typeface="Wingdings 2" charset="2"/>
+              <a:buChar char=""/>
+              <a:defRPr sz="1400" kern="1200">
+                <a:solidFill>
+                  <a:schemeClr val="tx1"/>
+                </a:solidFill>
+                <a:latin typeface="+mn-lt"/>
+                <a:ea typeface="+mn-ea"/>
+                <a:cs typeface="+mn-cs"/>
+              </a:defRPr>
+            </a:lvl3pPr>
+            <a:lvl4pPr marL="1600200" indent="-228600" algn="l" defTabSz="457200" rtl="0" eaLnBrk="1" latinLnBrk="0" hangingPunct="1">
+              <a:spcBef>
+                <a:spcPct val="20000"/>
+              </a:spcBef>
+              <a:spcAft>
+                <a:spcPts val="600"/>
+              </a:spcAft>
+              <a:buClr>
+                <a:schemeClr val="accent1"/>
+              </a:buClr>
+              <a:buFont typeface="Wingdings 2" charset="2"/>
+              <a:buChar char=""/>
+              <a:defRPr sz="1200" kern="1200">
+                <a:solidFill>
+                  <a:schemeClr val="tx1"/>
+                </a:solidFill>
+                <a:latin typeface="+mn-lt"/>
+                <a:ea typeface="+mn-ea"/>
+                <a:cs typeface="+mn-cs"/>
+              </a:defRPr>
+            </a:lvl4pPr>
+            <a:lvl5pPr marL="2057400" indent="-228600" algn="l" defTabSz="457200" rtl="0" eaLnBrk="1" latinLnBrk="0" hangingPunct="1">
+              <a:spcBef>
+                <a:spcPct val="20000"/>
+              </a:spcBef>
+              <a:spcAft>
+                <a:spcPts val="600"/>
+              </a:spcAft>
+              <a:buClr>
+                <a:schemeClr val="accent1"/>
+              </a:buClr>
+              <a:buFont typeface="Wingdings 2" charset="2"/>
+              <a:buChar char=""/>
+              <a:defRPr sz="1200" kern="1200">
+                <a:solidFill>
+                  <a:schemeClr val="tx1"/>
+                </a:solidFill>
+                <a:latin typeface="+mn-lt"/>
+                <a:ea typeface="+mn-ea"/>
+                <a:cs typeface="+mn-cs"/>
+              </a:defRPr>
+            </a:lvl5pPr>
+            <a:lvl6pPr marL="2400000" indent="-228600" algn="l" defTabSz="457200" rtl="0" eaLnBrk="1" latinLnBrk="0" hangingPunct="1">
+              <a:spcBef>
+                <a:spcPct val="20000"/>
+              </a:spcBef>
+              <a:spcAft>
+                <a:spcPts val="600"/>
+              </a:spcAft>
+              <a:buClr>
+                <a:schemeClr val="accent1"/>
+              </a:buClr>
+              <a:buFont typeface="Wingdings 2" charset="2"/>
+              <a:buChar char=""/>
+              <a:defRPr sz="1200" kern="1200">
+                <a:solidFill>
+                  <a:schemeClr val="tx1"/>
+                </a:solidFill>
+                <a:latin typeface="+mn-lt"/>
+                <a:ea typeface="+mn-ea"/>
+                <a:cs typeface="+mn-cs"/>
+              </a:defRPr>
+            </a:lvl6pPr>
+            <a:lvl7pPr marL="2800000" indent="-228600" algn="l" defTabSz="457200" rtl="0" eaLnBrk="1" latinLnBrk="0" hangingPunct="1">
+              <a:spcBef>
+                <a:spcPct val="20000"/>
+              </a:spcBef>
+              <a:spcAft>
+                <a:spcPts val="600"/>
+              </a:spcAft>
+              <a:buClr>
+                <a:schemeClr val="accent1"/>
+              </a:buClr>
+              <a:buFont typeface="Wingdings 2" charset="2"/>
+              <a:buChar char=""/>
+              <a:defRPr sz="1200" kern="1200">
+                <a:solidFill>
+                  <a:schemeClr val="tx1"/>
+                </a:solidFill>
+                <a:latin typeface="+mn-lt"/>
+                <a:ea typeface="+mn-ea"/>
+                <a:cs typeface="+mn-cs"/>
+              </a:defRPr>
+            </a:lvl7pPr>
+            <a:lvl8pPr marL="3200000" indent="-228600" algn="l" defTabSz="457200" rtl="0" eaLnBrk="1" latinLnBrk="0" hangingPunct="1">
+              <a:spcBef>
+                <a:spcPct val="20000"/>
+              </a:spcBef>
+              <a:spcAft>
+                <a:spcPts val="600"/>
+              </a:spcAft>
+              <a:buClr>
+                <a:schemeClr val="accent1"/>
+              </a:buClr>
+              <a:buFont typeface="Wingdings 2" charset="2"/>
+              <a:buChar char=""/>
+              <a:defRPr sz="1200" kern="1200">
+                <a:solidFill>
+                  <a:schemeClr val="tx1"/>
+                </a:solidFill>
+                <a:latin typeface="+mn-lt"/>
+                <a:ea typeface="+mn-ea"/>
+                <a:cs typeface="+mn-cs"/>
+              </a:defRPr>
+            </a:lvl8pPr>
+            <a:lvl9pPr marL="3600000" indent="-228600" algn="l" defTabSz="457200" rtl="0" eaLnBrk="1" latinLnBrk="0" hangingPunct="1">
+              <a:spcBef>
+                <a:spcPct val="20000"/>
+              </a:spcBef>
+              <a:spcAft>
+                <a:spcPts val="600"/>
+              </a:spcAft>
+              <a:buClr>
+                <a:schemeClr val="accent1"/>
+              </a:buClr>
+              <a:buFont typeface="Wingdings 2" charset="2"/>
+              <a:buChar char=""/>
+              <a:defRPr sz="1200" kern="1200">
+                <a:solidFill>
+                  <a:schemeClr val="tx1"/>
+                </a:solidFill>
+                <a:latin typeface="+mn-lt"/>
+                <a:ea typeface="+mn-ea"/>
+                <a:cs typeface="+mn-cs"/>
+              </a:defRPr>
+            </a:lvl9pPr>
+          </a:lstStyle>
+          <a:p>
+            <a:pPr defTabSz="467359">
+              <a:spcBef>
+                <a:spcPts val="2200"/>
+              </a:spcBef>
+              <a:defRPr sz="2720"/>
+            </a:pPr>
+            <a:r>
+              <a:rPr lang="ru-RU" sz="2720" b="1" dirty="0" smtClean="0"/>
+              <a:t>Языки программирования и верстки</a:t>
+            </a:r>
+            <a:r>
+              <a:rPr lang="ru-RU" sz="2720" dirty="0" smtClean="0"/>
+              <a:t>:</a:t>
+            </a:r>
+            <a:endParaRPr lang="en-US" sz="2720" dirty="0" smtClean="0"/>
+          </a:p>
+          <a:p>
+            <a:pPr defTabSz="467359">
+              <a:spcBef>
+                <a:spcPts val="2200"/>
+              </a:spcBef>
+              <a:defRPr sz="2720"/>
+            </a:pPr>
+            <a:r>
+              <a:rPr lang="en-US" sz="2720" dirty="0" smtClean="0"/>
+              <a:t>Python 3;</a:t>
+            </a:r>
+          </a:p>
+          <a:p>
+            <a:pPr defTabSz="467359">
+              <a:spcBef>
+                <a:spcPts val="2200"/>
+              </a:spcBef>
+              <a:defRPr sz="2720"/>
+            </a:pPr>
+            <a:r>
+              <a:rPr lang="en-US" sz="2720" dirty="0" smtClean="0"/>
+              <a:t>JavaScript;</a:t>
+            </a:r>
+          </a:p>
+          <a:p>
+            <a:pPr defTabSz="467359">
+              <a:spcBef>
+                <a:spcPts val="2200"/>
+              </a:spcBef>
+              <a:defRPr sz="2720"/>
+            </a:pPr>
+            <a:r>
+              <a:rPr lang="en-US" sz="2720" dirty="0" smtClean="0"/>
+              <a:t>HTML;</a:t>
+            </a:r>
+          </a:p>
+          <a:p>
+            <a:pPr defTabSz="467359">
+              <a:spcBef>
+                <a:spcPts val="2200"/>
+              </a:spcBef>
+              <a:defRPr sz="2720"/>
+            </a:pPr>
+            <a:r>
+              <a:rPr lang="en-US" sz="2720" dirty="0" smtClean="0"/>
+              <a:t>CSS;</a:t>
+            </a:r>
+            <a:endParaRPr lang="en-US" sz="2720" dirty="0"/>
           </a:p>
         </p:txBody>
       </p:sp>
@@ -7046,7 +8356,7 @@
 </p:sld>
 </file>
 
-<file path=ppt/slides/slide7.xml><?xml version="1.0" encoding="utf-8"?>
+<file path=ppt/slides/slide8.xml><?xml version="1.0" encoding="utf-8"?>
 <p:sld xmlns:a="http://schemas.openxmlformats.org/drawingml/2006/main" xmlns:r="http://schemas.openxmlformats.org/officeDocument/2006/relationships" xmlns:p="http://schemas.openxmlformats.org/presentationml/2006/main">
   <p:cSld>
     <p:spTree>
@@ -7130,88 +8440,6 @@
 </p:sld>
 </file>
 
-<file path=ppt/slides/slide8.xml><?xml version="1.0" encoding="utf-8"?>
-<p:sld xmlns:a="http://schemas.openxmlformats.org/drawingml/2006/main" xmlns:r="http://schemas.openxmlformats.org/officeDocument/2006/relationships" xmlns:p="http://schemas.openxmlformats.org/presentationml/2006/main">
-  <p:cSld>
-    <p:spTree>
-      <p:nvGrpSpPr>
-        <p:cNvPr id="1" name=""/>
-        <p:cNvGrpSpPr/>
-        <p:nvPr/>
-      </p:nvGrpSpPr>
-      <p:grpSpPr>
-        <a:xfrm>
-          <a:off x="0" y="0"/>
-          <a:ext cx="0" cy="0"/>
-          <a:chOff x="0" y="0"/>
-          <a:chExt cx="0" cy="0"/>
-        </a:xfrm>
-      </p:grpSpPr>
-      <p:sp>
-        <p:nvSpPr>
-          <p:cNvPr id="2" name="Заголовок 1"/>
-          <p:cNvSpPr>
-            <a:spLocks noGrp="1"/>
-          </p:cNvSpPr>
-          <p:nvPr>
-            <p:ph type="title"/>
-          </p:nvPr>
-        </p:nvSpPr>
-        <p:spPr/>
-        <p:txBody>
-          <a:bodyPr/>
-          <a:lstStyle/>
-          <a:p>
-            <a:r>
-              <a:rPr lang="ru-RU" dirty="0" smtClean="0"/>
-              <a:t>Сообщения</a:t>
-            </a:r>
-            <a:endParaRPr lang="ru-RU" dirty="0"/>
-          </a:p>
-        </p:txBody>
-      </p:sp>
-      <p:pic>
-        <p:nvPicPr>
-          <p:cNvPr id="4" name="Изображение" descr="Изображение"/>
-          <p:cNvPicPr>
-            <a:picLocks noChangeAspect="1"/>
-          </p:cNvPicPr>
-          <p:nvPr/>
-        </p:nvPicPr>
-        <p:blipFill>
-          <a:blip r:embed="rId2">
-            <a:extLst/>
-          </a:blip>
-          <a:stretch>
-            <a:fillRect/>
-          </a:stretch>
-        </p:blipFill>
-        <p:spPr>
-          <a:xfrm>
-            <a:off x="1699403" y="2116279"/>
-            <a:ext cx="8793191" cy="4466868"/>
-          </a:xfrm>
-          <a:prstGeom prst="rect">
-            <a:avLst/>
-          </a:prstGeom>
-          <a:ln w="12700">
-            <a:miter lim="400000"/>
-          </a:ln>
-        </p:spPr>
-      </p:pic>
-    </p:spTree>
-    <p:extLst>
-      <p:ext uri="{BB962C8B-B14F-4D97-AF65-F5344CB8AC3E}">
-        <p14:creationId xmlns:p14="http://schemas.microsoft.com/office/powerpoint/2010/main" val="2741479335"/>
-      </p:ext>
-    </p:extLst>
-  </p:cSld>
-  <p:clrMapOvr>
-    <a:masterClrMapping/>
-  </p:clrMapOvr>
-</p:sld>
-</file>
-
 <file path=ppt/slides/slide9.xml><?xml version="1.0" encoding="utf-8"?>
 <p:sld xmlns:a="http://schemas.openxmlformats.org/drawingml/2006/main" xmlns:r="http://schemas.openxmlformats.org/officeDocument/2006/relationships" xmlns:p="http://schemas.openxmlformats.org/presentationml/2006/main">
   <p:cSld>
@@ -7246,39 +8474,40 @@
           <a:p>
             <a:r>
               <a:rPr lang="ru-RU" dirty="0" smtClean="0"/>
-              <a:t>Заключение</a:t>
+              <a:t>Журнал</a:t>
             </a:r>
             <a:endParaRPr lang="ru-RU" dirty="0"/>
           </a:p>
         </p:txBody>
       </p:sp>
-      <p:sp>
-        <p:nvSpPr>
-          <p:cNvPr id="3" name="Объект 2"/>
-          <p:cNvSpPr>
-            <a:spLocks noGrp="1"/>
-          </p:cNvSpPr>
-          <p:nvPr>
-            <p:ph idx="1"/>
-          </p:nvPr>
-        </p:nvSpPr>
-        <p:spPr/>
-        <p:txBody>
-          <a:bodyPr/>
-          <a:lstStyle/>
-          <a:p>
-            <a:r>
-              <a:rPr lang="ru-RU" dirty="0" smtClean="0"/>
-              <a:t>Возможности для доработки…</a:t>
-            </a:r>
-            <a:endParaRPr lang="ru-RU" dirty="0"/>
-          </a:p>
-        </p:txBody>
-      </p:sp>
+      <p:pic>
+        <p:nvPicPr>
+          <p:cNvPr id="3" name="Рисунок 2"/>
+          <p:cNvPicPr>
+            <a:picLocks noChangeAspect="1"/>
+          </p:cNvPicPr>
+          <p:nvPr/>
+        </p:nvPicPr>
+        <p:blipFill>
+          <a:blip r:embed="rId2"/>
+          <a:stretch>
+            <a:fillRect/>
+          </a:stretch>
+        </p:blipFill>
+        <p:spPr>
+          <a:xfrm>
+            <a:off x="1606979" y="2183436"/>
+            <a:ext cx="8978039" cy="4407146"/>
+          </a:xfrm>
+          <a:prstGeom prst="rect">
+            <a:avLst/>
+          </a:prstGeom>
+        </p:spPr>
+      </p:pic>
     </p:spTree>
     <p:extLst>
       <p:ext uri="{BB962C8B-B14F-4D97-AF65-F5344CB8AC3E}">
-        <p14:creationId xmlns:p14="http://schemas.microsoft.com/office/powerpoint/2010/main" val="248759938"/>
+        <p14:creationId xmlns:p14="http://schemas.microsoft.com/office/powerpoint/2010/main" val="2741479335"/>
       </p:ext>
     </p:extLst>
   </p:cSld>

--- a/demo/OkayJournal.pptx
+++ b/demo/OkayJournal.pptx
@@ -216,7 +216,7 @@
           <a:effectLst/>
           <a:extLst>
             <a:ext uri="{91240B29-F687-4f45-9708-019B960494DF}">
-              <a14:hiddenLine xmlns="" xmlns:a14="http://schemas.microsoft.com/office/drawing/2010/main" w="9525">
+              <a14:hiddenLine xmlns:a14="http://schemas.microsoft.com/office/drawing/2010/main" xmlns="" w="9525">
                 <a:solidFill>
                   <a:srgbClr val="000000"/>
                 </a:solidFill>
@@ -1746,7 +1746,7 @@
           <a:ln/>
           <a:extLst>
             <a:ext uri="{91240B29-F687-4f45-9708-019B960494DF}">
-              <a14:hiddenLine xmlns="" xmlns:a14="http://schemas.microsoft.com/office/drawing/2010/main" w="9525">
+              <a14:hiddenLine xmlns:a14="http://schemas.microsoft.com/office/drawing/2010/main" xmlns="" w="9525">
                 <a:solidFill>
                   <a:srgbClr val="000000"/>
                 </a:solidFill>
@@ -2023,7 +2023,7 @@
           <a:ln/>
           <a:extLst>
             <a:ext uri="{91240B29-F687-4f45-9708-019B960494DF}">
-              <a14:hiddenLine xmlns="" xmlns:a14="http://schemas.microsoft.com/office/drawing/2010/main" w="9525">
+              <a14:hiddenLine xmlns:a14="http://schemas.microsoft.com/office/drawing/2010/main" xmlns="" w="9525">
                 <a:solidFill>
                   <a:srgbClr val="000000"/>
                 </a:solidFill>
@@ -2308,7 +2308,7 @@
           <a:ln/>
           <a:extLst>
             <a:ext uri="{91240B29-F687-4f45-9708-019B960494DF}">
-              <a14:hiddenLine xmlns="" xmlns:a14="http://schemas.microsoft.com/office/drawing/2010/main" w="9525">
+              <a14:hiddenLine xmlns:a14="http://schemas.microsoft.com/office/drawing/2010/main" xmlns="" w="9525">
                 <a:solidFill>
                   <a:srgbClr val="000000"/>
                 </a:solidFill>
@@ -2938,7 +2938,7 @@
           <a:ln/>
           <a:extLst>
             <a:ext uri="{91240B29-F687-4f45-9708-019B960494DF}">
-              <a14:hiddenLine xmlns="" xmlns:a14="http://schemas.microsoft.com/office/drawing/2010/main" w="9525">
+              <a14:hiddenLine xmlns:a14="http://schemas.microsoft.com/office/drawing/2010/main" xmlns="" w="9525">
                 <a:solidFill>
                   <a:srgbClr val="000000"/>
                 </a:solidFill>
@@ -3279,7 +3279,7 @@
           <a:ln/>
           <a:extLst>
             <a:ext uri="{91240B29-F687-4f45-9708-019B960494DF}">
-              <a14:hiddenLine xmlns="" xmlns:a14="http://schemas.microsoft.com/office/drawing/2010/main" w="9525">
+              <a14:hiddenLine xmlns:a14="http://schemas.microsoft.com/office/drawing/2010/main" xmlns="" w="9525">
                 <a:solidFill>
                   <a:srgbClr val="000000"/>
                 </a:solidFill>
@@ -3758,7 +3758,7 @@
           <a:ln/>
           <a:extLst>
             <a:ext uri="{91240B29-F687-4f45-9708-019B960494DF}">
-              <a14:hiddenLine xmlns="" xmlns:a14="http://schemas.microsoft.com/office/drawing/2010/main" w="9525">
+              <a14:hiddenLine xmlns:a14="http://schemas.microsoft.com/office/drawing/2010/main" xmlns="" w="9525">
                 <a:solidFill>
                   <a:srgbClr val="000000"/>
                 </a:solidFill>
@@ -4191,7 +4191,7 @@
           <a:ln/>
           <a:extLst>
             <a:ext uri="{91240B29-F687-4f45-9708-019B960494DF}">
-              <a14:hiddenLine xmlns="" xmlns:a14="http://schemas.microsoft.com/office/drawing/2010/main" w="9525">
+              <a14:hiddenLine xmlns:a14="http://schemas.microsoft.com/office/drawing/2010/main" xmlns="" w="9525">
                 <a:solidFill>
                   <a:srgbClr val="000000"/>
                 </a:solidFill>
@@ -6380,11 +6380,7 @@
             </a:r>
             <a:r>
               <a:rPr lang="ru-RU" dirty="0" smtClean="0"/>
-              <a:t>для учеников, </a:t>
-            </a:r>
-            <a:r>
-              <a:rPr lang="ru-RU" dirty="0" smtClean="0"/>
-              <a:t>родителей, школьной администрации </a:t>
+              <a:t>для учеников, родителей, школьной администрации </a:t>
             </a:r>
             <a:r>
               <a:rPr lang="ru-RU" dirty="0"/>
@@ -6406,11 +6402,7 @@
             </a:r>
             <a:r>
               <a:rPr lang="ru-RU" dirty="0" smtClean="0"/>
-              <a:t>благодаря сервису </a:t>
-            </a:r>
-            <a:r>
-              <a:rPr lang="ru-RU" dirty="0" smtClean="0"/>
-              <a:t>«Сетевой </a:t>
+              <a:t>благодаря сервису «Сетевой </a:t>
             </a:r>
             <a:r>
               <a:rPr lang="ru-RU" dirty="0"/>
@@ -6418,11 +6410,7 @@
             </a:r>
             <a:r>
               <a:rPr lang="ru-RU" dirty="0" smtClean="0"/>
-              <a:t>которым школы в нашем городе активно пользуются. </a:t>
-            </a:r>
-            <a:r>
-              <a:rPr lang="ru-RU" dirty="0" smtClean="0"/>
-              <a:t>Мы решили попробовать самостоятельно построить такую систему, посмотреть что из этого получится.</a:t>
+              <a:t>которым школы в нашем городе активно пользуются. Мы решили попробовать самостоятельно построить такую систему, посмотреть что из этого получится.</a:t>
             </a:r>
             <a:endParaRPr lang="ru-RU" dirty="0"/>
           </a:p>
@@ -6475,11 +6463,7 @@
           <a:p>
             <a:r>
               <a:rPr lang="ru-RU" dirty="0" smtClean="0"/>
-              <a:t>Реализация. </a:t>
-            </a:r>
-            <a:r>
-              <a:rPr lang="ru-RU" dirty="0" smtClean="0"/>
-              <a:t>Вне системы</a:t>
+              <a:t>Реализация. Вне системы</a:t>
             </a:r>
             <a:endParaRPr lang="ru-RU" dirty="0"/>
           </a:p>
@@ -6497,8 +6481,8 @@
         </p:nvSpPr>
         <p:spPr>
           <a:xfrm>
-            <a:off x="301925" y="2156604"/>
-            <a:ext cx="4960189" cy="3801342"/>
+            <a:off x="1268083" y="2432650"/>
+            <a:ext cx="7375584" cy="3801342"/>
           </a:xfrm>
         </p:spPr>
         <p:txBody>
@@ -6549,9 +6533,204 @@
           </a:p>
         </p:txBody>
       </p:sp>
-      <p:sp>
-        <p:nvSpPr>
-          <p:cNvPr id="8" name="Объект 5"/>
+    </p:spTree>
+    <p:extLst>
+      <p:ext uri="{BB962C8B-B14F-4D97-AF65-F5344CB8AC3E}">
+        <p14:creationId xmlns:p14="http://schemas.microsoft.com/office/powerpoint/2010/main" val="654481902"/>
+      </p:ext>
+    </p:extLst>
+  </p:cSld>
+  <p:clrMapOvr>
+    <a:masterClrMapping/>
+  </p:clrMapOvr>
+</p:sld>
+</file>
+
+<file path=ppt/slides/slide5.xml><?xml version="1.0" encoding="utf-8"?>
+<p:sld xmlns:a="http://schemas.openxmlformats.org/drawingml/2006/main" xmlns:r="http://schemas.openxmlformats.org/officeDocument/2006/relationships" xmlns:p="http://schemas.openxmlformats.org/presentationml/2006/main">
+  <p:cSld>
+    <p:spTree>
+      <p:nvGrpSpPr>
+        <p:cNvPr id="1" name=""/>
+        <p:cNvGrpSpPr/>
+        <p:nvPr/>
+      </p:nvGrpSpPr>
+      <p:grpSpPr>
+        <a:xfrm>
+          <a:off x="0" y="0"/>
+          <a:ext cx="0" cy="0"/>
+          <a:chOff x="0" y="0"/>
+          <a:chExt cx="0" cy="0"/>
+        </a:xfrm>
+      </p:grpSpPr>
+      <p:sp>
+        <p:nvSpPr>
+          <p:cNvPr id="2" name="Заголовок 1"/>
+          <p:cNvSpPr>
+            <a:spLocks noGrp="1"/>
+          </p:cNvSpPr>
+          <p:nvPr>
+            <p:ph type="title"/>
+          </p:nvPr>
+        </p:nvSpPr>
+        <p:spPr/>
+        <p:txBody>
+          <a:bodyPr/>
+          <a:lstStyle/>
+          <a:p>
+            <a:r>
+              <a:rPr lang="ru-RU" dirty="0" smtClean="0"/>
+              <a:t>Реализация. Система</a:t>
+            </a:r>
+            <a:endParaRPr lang="ru-RU" dirty="0"/>
+          </a:p>
+        </p:txBody>
+      </p:sp>
+      <p:sp>
+        <p:nvSpPr>
+          <p:cNvPr id="3" name="Объект 2"/>
+          <p:cNvSpPr>
+            <a:spLocks noGrp="1"/>
+          </p:cNvSpPr>
+          <p:nvPr>
+            <p:ph idx="1"/>
+          </p:nvPr>
+        </p:nvSpPr>
+        <p:spPr>
+          <a:xfrm>
+            <a:off x="0" y="2161900"/>
+            <a:ext cx="6159260" cy="4860001"/>
+          </a:xfrm>
+        </p:spPr>
+        <p:txBody>
+          <a:bodyPr>
+            <a:normAutofit fontScale="92500" lnSpcReduction="10000"/>
+          </a:bodyPr>
+          <a:lstStyle/>
+          <a:p>
+            <a:r>
+              <a:rPr lang="en-US" dirty="0"/>
+              <a:t>/school_settings – </a:t>
+            </a:r>
+            <a:r>
+              <a:rPr lang="ru-RU" dirty="0"/>
+              <a:t>настройка местоположения школы (доступно только школьному администратору)</a:t>
+            </a:r>
+            <a:r>
+              <a:rPr lang="en-US" dirty="0" smtClean="0"/>
+              <a:t>;</a:t>
+            </a:r>
+            <a:endParaRPr lang="ru-RU" dirty="0" smtClean="0"/>
+          </a:p>
+          <a:p>
+            <a:r>
+              <a:rPr lang="en-US" dirty="0" smtClean="0"/>
+              <a:t>/</a:t>
+            </a:r>
+            <a:r>
+              <a:rPr lang="en-US" dirty="0"/>
+              <a:t>settings – </a:t>
+            </a:r>
+            <a:r>
+              <a:rPr lang="ru-RU" dirty="0"/>
+              <a:t>настройки личного профиля</a:t>
+            </a:r>
+            <a:r>
+              <a:rPr lang="en-US" dirty="0" smtClean="0"/>
+              <a:t>;</a:t>
+            </a:r>
+            <a:endParaRPr lang="ru-RU" dirty="0" smtClean="0"/>
+          </a:p>
+          <a:p>
+            <a:r>
+              <a:rPr lang="en-US" dirty="0" smtClean="0"/>
+              <a:t>/</a:t>
+            </a:r>
+            <a:r>
+              <a:rPr lang="en-US" dirty="0"/>
+              <a:t>subjects – </a:t>
+            </a:r>
+            <a:r>
+              <a:rPr lang="ru-RU" dirty="0"/>
+              <a:t>настройка предметов школы (доступно только школьному администратору</a:t>
+            </a:r>
+            <a:r>
+              <a:rPr lang="en-US" dirty="0" smtClean="0"/>
+              <a:t>;</a:t>
+            </a:r>
+            <a:endParaRPr lang="ru-RU" dirty="0" smtClean="0"/>
+          </a:p>
+          <a:p>
+            <a:r>
+              <a:rPr lang="en-US" dirty="0" smtClean="0"/>
+              <a:t>/</a:t>
+            </a:r>
+            <a:r>
+              <a:rPr lang="en-US" dirty="0"/>
+              <a:t>timetable – </a:t>
+            </a:r>
+            <a:r>
+              <a:rPr lang="ru-RU" dirty="0"/>
+              <a:t>настройка расписания предметов школы (доступно только школьному администратору)</a:t>
+            </a:r>
+            <a:r>
+              <a:rPr lang="en-US" dirty="0" smtClean="0"/>
+              <a:t>;</a:t>
+            </a:r>
+            <a:endParaRPr lang="ru-RU" dirty="0" smtClean="0"/>
+          </a:p>
+          <a:p>
+            <a:r>
+              <a:rPr lang="en-US" dirty="0" smtClean="0"/>
+              <a:t>/</a:t>
+            </a:r>
+            <a:r>
+              <a:rPr lang="en-US" dirty="0"/>
+              <a:t>users – </a:t>
+            </a:r>
+            <a:r>
+              <a:rPr lang="ru-RU" dirty="0"/>
+              <a:t>добавление новых пользователей (учеников, учителей, родителей) (доступно только школьному администратору</a:t>
+            </a:r>
+            <a:r>
+              <a:rPr lang="ru-RU" dirty="0" smtClean="0"/>
+              <a:t>)</a:t>
+            </a:r>
+            <a:endParaRPr lang="en-US" dirty="0" smtClean="0"/>
+          </a:p>
+          <a:p>
+            <a:r>
+              <a:rPr lang="en-US" dirty="0" smtClean="0"/>
+              <a:t>/diary – </a:t>
+            </a:r>
+            <a:r>
+              <a:rPr lang="ru-RU" dirty="0" smtClean="0"/>
+              <a:t>дневник (доступно только родителям и ученикам)</a:t>
+            </a:r>
+            <a:r>
+              <a:rPr lang="en-US" dirty="0" smtClean="0"/>
+              <a:t>;</a:t>
+            </a:r>
+          </a:p>
+          <a:p>
+            <a:r>
+              <a:rPr lang="en-US" dirty="0" smtClean="0"/>
+              <a:t>/reports – </a:t>
+            </a:r>
+            <a:r>
+              <a:rPr lang="ru-RU" dirty="0" smtClean="0"/>
+              <a:t>отчёты об оценках ученика (доступно только родителям и ученикам)</a:t>
+            </a:r>
+            <a:endParaRPr lang="en-US" dirty="0"/>
+          </a:p>
+          <a:p>
+            <a:endParaRPr lang="ru-RU" dirty="0"/>
+          </a:p>
+        </p:txBody>
+      </p:sp>
+      <p:sp>
+        <p:nvSpPr>
+          <p:cNvPr id="4" name="Объект 5"/>
           <p:cNvSpPr txBox="1">
             <a:spLocks/>
           </p:cNvSpPr>
@@ -6559,8 +6738,8 @@
         </p:nvSpPr>
         <p:spPr>
           <a:xfrm>
-            <a:off x="5098212" y="1923691"/>
-            <a:ext cx="6866625" cy="5020573"/>
+            <a:off x="5911970" y="1758124"/>
+            <a:ext cx="6280030" cy="5193102"/>
           </a:xfrm>
           <a:prstGeom prst="rect">
             <a:avLst/>
@@ -6773,576 +6952,6 @@
           </a:p>
           <a:p>
             <a:r>
-              <a:rPr lang="ru-RU" dirty="0" smtClean="0"/>
-              <a:t>Страницы основной системы:</a:t>
-            </a:r>
-            <a:r>
-              <a:rPr lang="en-US" dirty="0"/>
-              <a:t/>
-            </a:r>
-            <a:br>
-              <a:rPr lang="en-US" dirty="0"/>
-            </a:br>
-            <a:r>
-              <a:rPr lang="en-US" dirty="0" smtClean="0"/>
-              <a:t>/announcements – </a:t>
-            </a:r>
-            <a:r>
-              <a:rPr lang="ru-RU" dirty="0" smtClean="0"/>
-              <a:t>доска объявлений школы</a:t>
-            </a:r>
-            <a:r>
-              <a:rPr lang="en-US" dirty="0" smtClean="0"/>
-              <a:t>;</a:t>
-            </a:r>
-            <a:r>
-              <a:rPr lang="en-US" dirty="0"/>
-              <a:t/>
-            </a:r>
-            <a:br>
-              <a:rPr lang="en-US" dirty="0"/>
-            </a:br>
-            <a:r>
-              <a:rPr lang="en-US" dirty="0" smtClean="0"/>
-              <a:t>/classes – </a:t>
-            </a:r>
-            <a:r>
-              <a:rPr lang="ru-RU" dirty="0" smtClean="0"/>
-              <a:t>настройка классов школы (доступно только администратору школы)</a:t>
-            </a:r>
-            <a:r>
-              <a:rPr lang="en-US" dirty="0" smtClean="0"/>
-              <a:t>;</a:t>
-            </a:r>
-            <a:r>
-              <a:rPr lang="en-US" dirty="0"/>
-              <a:t/>
-            </a:r>
-            <a:br>
-              <a:rPr lang="en-US" dirty="0"/>
-            </a:br>
-            <a:r>
-              <a:rPr lang="en-US" dirty="0" smtClean="0"/>
-              <a:t>/grading – </a:t>
-            </a:r>
-            <a:r>
-              <a:rPr lang="ru-RU" dirty="0" smtClean="0"/>
-              <a:t>выставление оценок, заполнение темы и домашнего задания для определенной даты (доступно только учителю</a:t>
-            </a:r>
-            <a:r>
-              <a:rPr lang="en-US" dirty="0" smtClean="0"/>
-              <a:t>);</a:t>
-            </a:r>
-            <a:r>
-              <a:rPr lang="en-US" dirty="0"/>
-              <a:t/>
-            </a:r>
-            <a:br>
-              <a:rPr lang="en-US" dirty="0"/>
-            </a:br>
-            <a:r>
-              <a:rPr lang="en-US" dirty="0" smtClean="0"/>
-              <a:t>/journal – </a:t>
-            </a:r>
-            <a:r>
-              <a:rPr lang="ru-RU" dirty="0" smtClean="0"/>
-              <a:t>журнал с оценками (доступно только учителю</a:t>
-            </a:r>
-            <a:r>
-              <a:rPr lang="en-US" dirty="0" smtClean="0"/>
-              <a:t>);</a:t>
-            </a:r>
-            <a:r>
-              <a:rPr lang="en-US" dirty="0"/>
-              <a:t/>
-            </a:r>
-            <a:br>
-              <a:rPr lang="en-US" dirty="0"/>
-            </a:br>
-            <a:r>
-              <a:rPr lang="en-US" dirty="0" smtClean="0"/>
-              <a:t>/lesson_times – </a:t>
-            </a:r>
-            <a:r>
-              <a:rPr lang="ru-RU" dirty="0" smtClean="0"/>
-              <a:t>настройка расписания звонков (доступно только школьному администратору)</a:t>
-            </a:r>
-            <a:r>
-              <a:rPr lang="en-US" dirty="0"/>
-              <a:t/>
-            </a:r>
-            <a:br>
-              <a:rPr lang="en-US" dirty="0"/>
-            </a:br>
-            <a:r>
-              <a:rPr lang="en-US" dirty="0" smtClean="0"/>
-              <a:t>/messages – OkayJournal </a:t>
-            </a:r>
-            <a:r>
-              <a:rPr lang="ru-RU" dirty="0" smtClean="0"/>
-              <a:t>мессенджер</a:t>
-            </a:r>
-            <a:r>
-              <a:rPr lang="en-US" dirty="0" smtClean="0"/>
-              <a:t>;</a:t>
-            </a:r>
-            <a:r>
-              <a:rPr lang="en-US" dirty="0"/>
-              <a:t/>
-            </a:r>
-            <a:br>
-              <a:rPr lang="en-US" dirty="0"/>
-            </a:br>
-            <a:r>
-              <a:rPr lang="en-US" dirty="0" smtClean="0"/>
-              <a:t>/school_managing – </a:t>
-            </a:r>
-            <a:r>
-              <a:rPr lang="ru-RU" dirty="0" smtClean="0"/>
-              <a:t>меню настроек школы (доступно только школьному администратору)</a:t>
-            </a:r>
-            <a:r>
-              <a:rPr lang="en-US" dirty="0" smtClean="0"/>
-              <a:t>;</a:t>
-            </a:r>
-            <a:r>
-              <a:rPr lang="en-US" dirty="0"/>
-              <a:t/>
-            </a:r>
-            <a:br>
-              <a:rPr lang="en-US" dirty="0"/>
-            </a:br>
-            <a:endParaRPr lang="it-IT" dirty="0"/>
-          </a:p>
-        </p:txBody>
-      </p:sp>
-    </p:spTree>
-    <p:extLst>
-      <p:ext uri="{BB962C8B-B14F-4D97-AF65-F5344CB8AC3E}">
-        <p14:creationId xmlns:p14="http://schemas.microsoft.com/office/powerpoint/2010/main" val="654481902"/>
-      </p:ext>
-    </p:extLst>
-  </p:cSld>
-  <p:clrMapOvr>
-    <a:masterClrMapping/>
-  </p:clrMapOvr>
-</p:sld>
-</file>
-
-<file path=ppt/slides/slide5.xml><?xml version="1.0" encoding="utf-8"?>
-<p:sld xmlns:a="http://schemas.openxmlformats.org/drawingml/2006/main" xmlns:r="http://schemas.openxmlformats.org/officeDocument/2006/relationships" xmlns:p="http://schemas.openxmlformats.org/presentationml/2006/main">
-  <p:cSld>
-    <p:spTree>
-      <p:nvGrpSpPr>
-        <p:cNvPr id="1" name=""/>
-        <p:cNvGrpSpPr/>
-        <p:nvPr/>
-      </p:nvGrpSpPr>
-      <p:grpSpPr>
-        <a:xfrm>
-          <a:off x="0" y="0"/>
-          <a:ext cx="0" cy="0"/>
-          <a:chOff x="0" y="0"/>
-          <a:chExt cx="0" cy="0"/>
-        </a:xfrm>
-      </p:grpSpPr>
-      <p:sp>
-        <p:nvSpPr>
-          <p:cNvPr id="2" name="Заголовок 1"/>
-          <p:cNvSpPr>
-            <a:spLocks noGrp="1"/>
-          </p:cNvSpPr>
-          <p:nvPr>
-            <p:ph type="title"/>
-          </p:nvPr>
-        </p:nvSpPr>
-        <p:spPr/>
-        <p:txBody>
-          <a:bodyPr/>
-          <a:lstStyle/>
-          <a:p>
-            <a:r>
-              <a:rPr lang="ru-RU" dirty="0" smtClean="0"/>
-              <a:t>Реализация. Система</a:t>
-            </a:r>
-            <a:endParaRPr lang="ru-RU" dirty="0"/>
-          </a:p>
-        </p:txBody>
-      </p:sp>
-      <p:sp>
-        <p:nvSpPr>
-          <p:cNvPr id="3" name="Объект 2"/>
-          <p:cNvSpPr>
-            <a:spLocks noGrp="1"/>
-          </p:cNvSpPr>
-          <p:nvPr>
-            <p:ph idx="1"/>
-          </p:nvPr>
-        </p:nvSpPr>
-        <p:spPr>
-          <a:xfrm>
-            <a:off x="0" y="2161900"/>
-            <a:ext cx="6159260" cy="4860001"/>
-          </a:xfrm>
-        </p:spPr>
-        <p:txBody>
-          <a:bodyPr>
-            <a:normAutofit fontScale="92500" lnSpcReduction="10000"/>
-          </a:bodyPr>
-          <a:lstStyle/>
-          <a:p>
-            <a:r>
-              <a:rPr lang="en-US" dirty="0"/>
-              <a:t>/</a:t>
-            </a:r>
-            <a:r>
-              <a:rPr lang="en-US" dirty="0" err="1"/>
-              <a:t>school_settings</a:t>
-            </a:r>
-            <a:r>
-              <a:rPr lang="en-US" dirty="0"/>
-              <a:t> – </a:t>
-            </a:r>
-            <a:r>
-              <a:rPr lang="ru-RU" dirty="0"/>
-              <a:t>настройка местоположения школы (доступно только школьному администратору)</a:t>
-            </a:r>
-            <a:r>
-              <a:rPr lang="en-US" dirty="0" smtClean="0"/>
-              <a:t>;</a:t>
-            </a:r>
-            <a:endParaRPr lang="ru-RU" dirty="0" smtClean="0"/>
-          </a:p>
-          <a:p>
-            <a:r>
-              <a:rPr lang="en-US" dirty="0" smtClean="0"/>
-              <a:t>/</a:t>
-            </a:r>
-            <a:r>
-              <a:rPr lang="en-US" dirty="0"/>
-              <a:t>settings – </a:t>
-            </a:r>
-            <a:r>
-              <a:rPr lang="ru-RU" dirty="0"/>
-              <a:t>настройки личного профиля</a:t>
-            </a:r>
-            <a:r>
-              <a:rPr lang="en-US" dirty="0" smtClean="0"/>
-              <a:t>;</a:t>
-            </a:r>
-            <a:endParaRPr lang="ru-RU" dirty="0" smtClean="0"/>
-          </a:p>
-          <a:p>
-            <a:r>
-              <a:rPr lang="en-US" dirty="0" smtClean="0"/>
-              <a:t>/</a:t>
-            </a:r>
-            <a:r>
-              <a:rPr lang="en-US" dirty="0"/>
-              <a:t>subjects – </a:t>
-            </a:r>
-            <a:r>
-              <a:rPr lang="ru-RU" dirty="0"/>
-              <a:t>настройка предметов школы (доступно только школьному администратору</a:t>
-            </a:r>
-            <a:r>
-              <a:rPr lang="en-US" dirty="0" smtClean="0"/>
-              <a:t>;</a:t>
-            </a:r>
-            <a:endParaRPr lang="ru-RU" dirty="0" smtClean="0"/>
-          </a:p>
-          <a:p>
-            <a:r>
-              <a:rPr lang="en-US" dirty="0" smtClean="0"/>
-              <a:t>/</a:t>
-            </a:r>
-            <a:r>
-              <a:rPr lang="en-US" dirty="0"/>
-              <a:t>timetable – </a:t>
-            </a:r>
-            <a:r>
-              <a:rPr lang="ru-RU" dirty="0"/>
-              <a:t>настройка расписания предметов школы (доступно только школьному администратору)</a:t>
-            </a:r>
-            <a:r>
-              <a:rPr lang="en-US" dirty="0" smtClean="0"/>
-              <a:t>;</a:t>
-            </a:r>
-            <a:endParaRPr lang="ru-RU" dirty="0" smtClean="0"/>
-          </a:p>
-          <a:p>
-            <a:r>
-              <a:rPr lang="en-US" dirty="0" smtClean="0"/>
-              <a:t>/</a:t>
-            </a:r>
-            <a:r>
-              <a:rPr lang="en-US" dirty="0"/>
-              <a:t>users – </a:t>
-            </a:r>
-            <a:r>
-              <a:rPr lang="ru-RU" dirty="0"/>
-              <a:t>добавление новых пользователей (учеников, учителей, родителей) (доступно только школьному администратору</a:t>
-            </a:r>
-            <a:r>
-              <a:rPr lang="ru-RU" dirty="0" smtClean="0"/>
-              <a:t>)</a:t>
-            </a:r>
-            <a:endParaRPr lang="en-US" dirty="0" smtClean="0"/>
-          </a:p>
-          <a:p>
-            <a:r>
-              <a:rPr lang="en-US" dirty="0" smtClean="0"/>
-              <a:t>/diary – </a:t>
-            </a:r>
-            <a:r>
-              <a:rPr lang="ru-RU" dirty="0" smtClean="0"/>
-              <a:t>дневник (доступно только родителям и ученикам)</a:t>
-            </a:r>
-            <a:r>
-              <a:rPr lang="en-US" dirty="0" smtClean="0"/>
-              <a:t>;</a:t>
-            </a:r>
-          </a:p>
-          <a:p>
-            <a:r>
-              <a:rPr lang="en-US" dirty="0" smtClean="0"/>
-              <a:t>/reports – </a:t>
-            </a:r>
-            <a:r>
-              <a:rPr lang="ru-RU" dirty="0" smtClean="0"/>
-              <a:t>отчёты об оценках ученика (доступно только родителям и ученикам)</a:t>
-            </a:r>
-            <a:endParaRPr lang="en-US" dirty="0"/>
-          </a:p>
-          <a:p>
-            <a:endParaRPr lang="ru-RU" dirty="0"/>
-          </a:p>
-        </p:txBody>
-      </p:sp>
-      <p:sp>
-        <p:nvSpPr>
-          <p:cNvPr id="4" name="Объект 5"/>
-          <p:cNvSpPr txBox="1">
-            <a:spLocks/>
-          </p:cNvSpPr>
-          <p:nvPr/>
-        </p:nvSpPr>
-        <p:spPr>
-          <a:xfrm>
-            <a:off x="5911970" y="1758124"/>
-            <a:ext cx="6280030" cy="5193102"/>
-          </a:xfrm>
-          <a:prstGeom prst="rect">
-            <a:avLst/>
-          </a:prstGeom>
-          <a:effectLst>
-            <a:outerShdw blurRad="50800" dir="14400000">
-              <a:srgbClr val="000000">
-                <a:alpha val="40000"/>
-              </a:srgbClr>
-            </a:outerShdw>
-          </a:effectLst>
-        </p:spPr>
-        <p:txBody>
-          <a:bodyPr vert="horz" lIns="91440" tIns="45720" rIns="91440" bIns="45720" rtlCol="0" anchor="ctr">
-            <a:normAutofit/>
-          </a:bodyPr>
-          <a:lstStyle>
-            <a:lvl1pPr marL="342900" indent="-342900" algn="l" defTabSz="457200" rtl="0" eaLnBrk="1" latinLnBrk="0" hangingPunct="1">
-              <a:spcBef>
-                <a:spcPct val="20000"/>
-              </a:spcBef>
-              <a:spcAft>
-                <a:spcPts val="600"/>
-              </a:spcAft>
-              <a:buClr>
-                <a:schemeClr val="accent1"/>
-              </a:buClr>
-              <a:buFont typeface="Wingdings 2" charset="2"/>
-              <a:buChar char=""/>
-              <a:defRPr sz="1800" kern="1200">
-                <a:solidFill>
-                  <a:schemeClr val="tx1"/>
-                </a:solidFill>
-                <a:latin typeface="+mn-lt"/>
-                <a:ea typeface="+mn-ea"/>
-                <a:cs typeface="+mn-cs"/>
-              </a:defRPr>
-            </a:lvl1pPr>
-            <a:lvl2pPr marL="742950" indent="-285750" algn="l" defTabSz="457200" rtl="0" eaLnBrk="1" latinLnBrk="0" hangingPunct="1">
-              <a:spcBef>
-                <a:spcPct val="20000"/>
-              </a:spcBef>
-              <a:spcAft>
-                <a:spcPts val="600"/>
-              </a:spcAft>
-              <a:buClr>
-                <a:schemeClr val="accent1"/>
-              </a:buClr>
-              <a:buFont typeface="Wingdings 2" charset="2"/>
-              <a:buChar char=""/>
-              <a:defRPr sz="1600" kern="1200">
-                <a:solidFill>
-                  <a:schemeClr val="tx1"/>
-                </a:solidFill>
-                <a:latin typeface="+mn-lt"/>
-                <a:ea typeface="+mn-ea"/>
-                <a:cs typeface="+mn-cs"/>
-              </a:defRPr>
-            </a:lvl2pPr>
-            <a:lvl3pPr marL="1143000" indent="-228600" algn="l" defTabSz="457200" rtl="0" eaLnBrk="1" latinLnBrk="0" hangingPunct="1">
-              <a:spcBef>
-                <a:spcPct val="20000"/>
-              </a:spcBef>
-              <a:spcAft>
-                <a:spcPts val="600"/>
-              </a:spcAft>
-              <a:buClr>
-                <a:schemeClr val="accent1"/>
-              </a:buClr>
-              <a:buFont typeface="Wingdings 2" charset="2"/>
-              <a:buChar char=""/>
-              <a:defRPr sz="1400" kern="1200">
-                <a:solidFill>
-                  <a:schemeClr val="tx1"/>
-                </a:solidFill>
-                <a:latin typeface="+mn-lt"/>
-                <a:ea typeface="+mn-ea"/>
-                <a:cs typeface="+mn-cs"/>
-              </a:defRPr>
-            </a:lvl3pPr>
-            <a:lvl4pPr marL="1600200" indent="-228600" algn="l" defTabSz="457200" rtl="0" eaLnBrk="1" latinLnBrk="0" hangingPunct="1">
-              <a:spcBef>
-                <a:spcPct val="20000"/>
-              </a:spcBef>
-              <a:spcAft>
-                <a:spcPts val="600"/>
-              </a:spcAft>
-              <a:buClr>
-                <a:schemeClr val="accent1"/>
-              </a:buClr>
-              <a:buFont typeface="Wingdings 2" charset="2"/>
-              <a:buChar char=""/>
-              <a:defRPr sz="1200" kern="1200">
-                <a:solidFill>
-                  <a:schemeClr val="tx1"/>
-                </a:solidFill>
-                <a:latin typeface="+mn-lt"/>
-                <a:ea typeface="+mn-ea"/>
-                <a:cs typeface="+mn-cs"/>
-              </a:defRPr>
-            </a:lvl4pPr>
-            <a:lvl5pPr marL="2057400" indent="-228600" algn="l" defTabSz="457200" rtl="0" eaLnBrk="1" latinLnBrk="0" hangingPunct="1">
-              <a:spcBef>
-                <a:spcPct val="20000"/>
-              </a:spcBef>
-              <a:spcAft>
-                <a:spcPts val="600"/>
-              </a:spcAft>
-              <a:buClr>
-                <a:schemeClr val="accent1"/>
-              </a:buClr>
-              <a:buFont typeface="Wingdings 2" charset="2"/>
-              <a:buChar char=""/>
-              <a:defRPr sz="1200" kern="1200">
-                <a:solidFill>
-                  <a:schemeClr val="tx1"/>
-                </a:solidFill>
-                <a:latin typeface="+mn-lt"/>
-                <a:ea typeface="+mn-ea"/>
-                <a:cs typeface="+mn-cs"/>
-              </a:defRPr>
-            </a:lvl5pPr>
-            <a:lvl6pPr marL="2400000" indent="-228600" algn="l" defTabSz="457200" rtl="0" eaLnBrk="1" latinLnBrk="0" hangingPunct="1">
-              <a:spcBef>
-                <a:spcPct val="20000"/>
-              </a:spcBef>
-              <a:spcAft>
-                <a:spcPts val="600"/>
-              </a:spcAft>
-              <a:buClr>
-                <a:schemeClr val="accent1"/>
-              </a:buClr>
-              <a:buFont typeface="Wingdings 2" charset="2"/>
-              <a:buChar char=""/>
-              <a:defRPr sz="1200" kern="1200">
-                <a:solidFill>
-                  <a:schemeClr val="tx1"/>
-                </a:solidFill>
-                <a:latin typeface="+mn-lt"/>
-                <a:ea typeface="+mn-ea"/>
-                <a:cs typeface="+mn-cs"/>
-              </a:defRPr>
-            </a:lvl6pPr>
-            <a:lvl7pPr marL="2800000" indent="-228600" algn="l" defTabSz="457200" rtl="0" eaLnBrk="1" latinLnBrk="0" hangingPunct="1">
-              <a:spcBef>
-                <a:spcPct val="20000"/>
-              </a:spcBef>
-              <a:spcAft>
-                <a:spcPts val="600"/>
-              </a:spcAft>
-              <a:buClr>
-                <a:schemeClr val="accent1"/>
-              </a:buClr>
-              <a:buFont typeface="Wingdings 2" charset="2"/>
-              <a:buChar char=""/>
-              <a:defRPr sz="1200" kern="1200">
-                <a:solidFill>
-                  <a:schemeClr val="tx1"/>
-                </a:solidFill>
-                <a:latin typeface="+mn-lt"/>
-                <a:ea typeface="+mn-ea"/>
-                <a:cs typeface="+mn-cs"/>
-              </a:defRPr>
-            </a:lvl7pPr>
-            <a:lvl8pPr marL="3200000" indent="-228600" algn="l" defTabSz="457200" rtl="0" eaLnBrk="1" latinLnBrk="0" hangingPunct="1">
-              <a:spcBef>
-                <a:spcPct val="20000"/>
-              </a:spcBef>
-              <a:spcAft>
-                <a:spcPts val="600"/>
-              </a:spcAft>
-              <a:buClr>
-                <a:schemeClr val="accent1"/>
-              </a:buClr>
-              <a:buFont typeface="Wingdings 2" charset="2"/>
-              <a:buChar char=""/>
-              <a:defRPr sz="1200" kern="1200">
-                <a:solidFill>
-                  <a:schemeClr val="tx1"/>
-                </a:solidFill>
-                <a:latin typeface="+mn-lt"/>
-                <a:ea typeface="+mn-ea"/>
-                <a:cs typeface="+mn-cs"/>
-              </a:defRPr>
-            </a:lvl8pPr>
-            <a:lvl9pPr marL="3600000" indent="-228600" algn="l" defTabSz="457200" rtl="0" eaLnBrk="1" latinLnBrk="0" hangingPunct="1">
-              <a:spcBef>
-                <a:spcPct val="20000"/>
-              </a:spcBef>
-              <a:spcAft>
-                <a:spcPts val="600"/>
-              </a:spcAft>
-              <a:buClr>
-                <a:schemeClr val="accent1"/>
-              </a:buClr>
-              <a:buFont typeface="Wingdings 2" charset="2"/>
-              <a:buChar char=""/>
-              <a:defRPr sz="1200" kern="1200">
-                <a:solidFill>
-                  <a:schemeClr val="tx1"/>
-                </a:solidFill>
-                <a:latin typeface="+mn-lt"/>
-                <a:ea typeface="+mn-ea"/>
-                <a:cs typeface="+mn-cs"/>
-              </a:defRPr>
-            </a:lvl9pPr>
-          </a:lstStyle>
-          <a:p>
-            <a:endParaRPr lang="ru-RU" dirty="0" smtClean="0"/>
-          </a:p>
-          <a:p>
-            <a:r>
               <a:rPr lang="en-US" dirty="0" smtClean="0"/>
               <a:t>/announcements – </a:t>
             </a:r>
@@ -7551,11 +7160,7 @@
             </a:r>
             <a:r>
               <a:rPr lang="ru-RU" dirty="0" smtClean="0"/>
-              <a:t>и одноразовый пароль для входа систему. </a:t>
-            </a:r>
-            <a:r>
-              <a:rPr lang="ru-RU" dirty="0" smtClean="0"/>
-              <a:t>Отправитель - </a:t>
+              <a:t>и одноразовый пароль для входа систему. Отправитель - </a:t>
             </a:r>
             <a:r>
               <a:rPr lang="ru-RU" b="1" dirty="0" smtClean="0"/>
@@ -7757,11 +7362,7 @@
             </a:r>
             <a:r>
               <a:rPr lang="en-US" dirty="0" smtClean="0"/>
-              <a:t>Professional </a:t>
-            </a:r>
-            <a:r>
-              <a:rPr lang="en-US" dirty="0" smtClean="0"/>
-              <a:t>Edition</a:t>
+              <a:t>Professional Edition</a:t>
             </a:r>
           </a:p>
           <a:p>
@@ -8284,7 +7885,11 @@
             </a:pPr>
             <a:r>
               <a:rPr lang="ru-RU" sz="2720" b="1" dirty="0" smtClean="0"/>
-              <a:t>Языки программирования и верстки</a:t>
+              <a:t>Языки программирования и </a:t>
+            </a:r>
+            <a:r>
+              <a:rPr lang="ru-RU" sz="2720" b="1" dirty="0" smtClean="0"/>
+              <a:t>разметки</a:t>
             </a:r>
             <a:r>
               <a:rPr lang="ru-RU" sz="2720" dirty="0" smtClean="0"/>
